--- a/images/PROACT_alsfrs_rev_preprocessing.pptx
+++ b/images/PROACT_alsfrs_rev_preprocessing.pptx
@@ -4,6 +4,9 @@
   <p:sldMasterIdLst>
     <p:sldMasterId id="2147483660" r:id="rId1"/>
   </p:sldMasterIdLst>
+  <p:notesMasterIdLst>
+    <p:notesMasterId r:id="rId3"/>
+  </p:notesMasterIdLst>
   <p:sldIdLst>
     <p:sldId id="257" r:id="rId2"/>
   </p:sldIdLst>
@@ -104,7 +107,496 @@
       </a:defRPr>
     </a:lvl9pPr>
   </p:defaultTextStyle>
+  <p:extLst>
+    <p:ext uri="{EFAFB233-063F-42B5-8137-9DF3F51BA10A}">
+      <p15:sldGuideLst xmlns:p15="http://schemas.microsoft.com/office/powerpoint/2012/main"/>
+    </p:ext>
+  </p:extLst>
 </p:presentation>
+</file>
+
+<file path=ppt/notesMasters/notesMaster1.xml><?xml version="1.0" encoding="utf-8"?>
+<p:notesMaster xmlns:a="http://schemas.openxmlformats.org/drawingml/2006/main" xmlns:r="http://schemas.openxmlformats.org/officeDocument/2006/relationships" xmlns:p="http://schemas.openxmlformats.org/presentationml/2006/main">
+  <p:cSld>
+    <p:bg>
+      <p:bgRef idx="1001">
+        <a:schemeClr val="bg1"/>
+      </p:bgRef>
+    </p:bg>
+    <p:spTree>
+      <p:nvGrpSpPr>
+        <p:cNvPr id="1" name=""/>
+        <p:cNvGrpSpPr/>
+        <p:nvPr/>
+      </p:nvGrpSpPr>
+      <p:grpSpPr>
+        <a:xfrm>
+          <a:off x="0" y="0"/>
+          <a:ext cx="0" cy="0"/>
+          <a:chOff x="0" y="0"/>
+          <a:chExt cx="0" cy="0"/>
+        </a:xfrm>
+      </p:grpSpPr>
+      <p:sp>
+        <p:nvSpPr>
+          <p:cNvPr id="2" name="머리글 개체 틀 1"/>
+          <p:cNvSpPr>
+            <a:spLocks noGrp="1"/>
+          </p:cNvSpPr>
+          <p:nvPr>
+            <p:ph type="hdr" sz="quarter"/>
+          </p:nvPr>
+        </p:nvSpPr>
+        <p:spPr>
+          <a:xfrm>
+            <a:off x="0" y="0"/>
+            <a:ext cx="2971800" cy="458788"/>
+          </a:xfrm>
+          <a:prstGeom prst="rect">
+            <a:avLst/>
+          </a:prstGeom>
+        </p:spPr>
+        <p:txBody>
+          <a:bodyPr vert="horz" lIns="91440" tIns="45720" rIns="91440" bIns="45720" rtlCol="0"/>
+          <a:lstStyle>
+            <a:lvl1pPr algn="l">
+              <a:defRPr sz="1200"/>
+            </a:lvl1pPr>
+          </a:lstStyle>
+          <a:p>
+            <a:endParaRPr kumimoji="1" lang="ko-Kore-KR" altLang="en-US"/>
+          </a:p>
+        </p:txBody>
+      </p:sp>
+      <p:sp>
+        <p:nvSpPr>
+          <p:cNvPr id="3" name="날짜 개체 틀 2"/>
+          <p:cNvSpPr>
+            <a:spLocks noGrp="1"/>
+          </p:cNvSpPr>
+          <p:nvPr>
+            <p:ph type="dt" idx="1"/>
+          </p:nvPr>
+        </p:nvSpPr>
+        <p:spPr>
+          <a:xfrm>
+            <a:off x="3884613" y="0"/>
+            <a:ext cx="2971800" cy="458788"/>
+          </a:xfrm>
+          <a:prstGeom prst="rect">
+            <a:avLst/>
+          </a:prstGeom>
+        </p:spPr>
+        <p:txBody>
+          <a:bodyPr vert="horz" lIns="91440" tIns="45720" rIns="91440" bIns="45720" rtlCol="0"/>
+          <a:lstStyle>
+            <a:lvl1pPr algn="r">
+              <a:defRPr sz="1200"/>
+            </a:lvl1pPr>
+          </a:lstStyle>
+          <a:p>
+            <a:fld id="{A7FC5C16-E50B-1142-8292-16FF6CE0B2B8}" type="datetimeFigureOut">
+              <a:rPr kumimoji="1" lang="ko-Kore-KR" altLang="en-US" smtClean="0"/>
+              <a:t>2022. 3. 7.</a:t>
+            </a:fld>
+            <a:endParaRPr kumimoji="1" lang="ko-Kore-KR" altLang="en-US"/>
+          </a:p>
+        </p:txBody>
+      </p:sp>
+      <p:sp>
+        <p:nvSpPr>
+          <p:cNvPr id="4" name="슬라이드 이미지 개체 틀 3"/>
+          <p:cNvSpPr>
+            <a:spLocks noGrp="1" noRot="1" noChangeAspect="1"/>
+          </p:cNvSpPr>
+          <p:nvPr>
+            <p:ph type="sldImg" idx="2"/>
+          </p:nvPr>
+        </p:nvSpPr>
+        <p:spPr>
+          <a:xfrm>
+            <a:off x="1371600" y="1143000"/>
+            <a:ext cx="4114800" cy="3086100"/>
+          </a:xfrm>
+          <a:prstGeom prst="rect">
+            <a:avLst/>
+          </a:prstGeom>
+          <a:noFill/>
+          <a:ln w="12700">
+            <a:solidFill>
+              <a:prstClr val="black"/>
+            </a:solidFill>
+          </a:ln>
+        </p:spPr>
+        <p:txBody>
+          <a:bodyPr vert="horz" lIns="91440" tIns="45720" rIns="91440" bIns="45720" rtlCol="0" anchor="ctr"/>
+          <a:lstStyle/>
+          <a:p>
+            <a:endParaRPr lang="ko-Kore-KR" altLang="en-US"/>
+          </a:p>
+        </p:txBody>
+      </p:sp>
+      <p:sp>
+        <p:nvSpPr>
+          <p:cNvPr id="5" name="슬라이드 노트 개체 틀 4"/>
+          <p:cNvSpPr>
+            <a:spLocks noGrp="1"/>
+          </p:cNvSpPr>
+          <p:nvPr>
+            <p:ph type="body" sz="quarter" idx="3"/>
+          </p:nvPr>
+        </p:nvSpPr>
+        <p:spPr>
+          <a:xfrm>
+            <a:off x="685800" y="4400550"/>
+            <a:ext cx="5486400" cy="3600450"/>
+          </a:xfrm>
+          <a:prstGeom prst="rect">
+            <a:avLst/>
+          </a:prstGeom>
+        </p:spPr>
+        <p:txBody>
+          <a:bodyPr vert="horz" lIns="91440" tIns="45720" rIns="91440" bIns="45720" rtlCol="0"/>
+          <a:lstStyle/>
+          <a:p>
+            <a:pPr lvl="0"/>
+            <a:r>
+              <a:rPr kumimoji="1" lang="ko-KR" altLang="en-US"/>
+              <a:t>마스터 텍스트 스타일을 편집하려면 클릭</a:t>
+            </a:r>
+          </a:p>
+          <a:p>
+            <a:pPr lvl="1"/>
+            <a:r>
+              <a:rPr kumimoji="1" lang="ko-KR" altLang="en-US"/>
+              <a:t>두 번째 수준</a:t>
+            </a:r>
+          </a:p>
+          <a:p>
+            <a:pPr lvl="2"/>
+            <a:r>
+              <a:rPr kumimoji="1" lang="ko-KR" altLang="en-US"/>
+              <a:t>세 번째 수준</a:t>
+            </a:r>
+          </a:p>
+          <a:p>
+            <a:pPr lvl="3"/>
+            <a:r>
+              <a:rPr kumimoji="1" lang="ko-KR" altLang="en-US"/>
+              <a:t>네 번째 수준</a:t>
+            </a:r>
+          </a:p>
+          <a:p>
+            <a:pPr lvl="4"/>
+            <a:r>
+              <a:rPr kumimoji="1" lang="ko-KR" altLang="en-US"/>
+              <a:t>다섯 번째 수준</a:t>
+            </a:r>
+            <a:endParaRPr kumimoji="1" lang="ko-Kore-KR" altLang="en-US"/>
+          </a:p>
+        </p:txBody>
+      </p:sp>
+      <p:sp>
+        <p:nvSpPr>
+          <p:cNvPr id="6" name="바닥글 개체 틀 5"/>
+          <p:cNvSpPr>
+            <a:spLocks noGrp="1"/>
+          </p:cNvSpPr>
+          <p:nvPr>
+            <p:ph type="ftr" sz="quarter" idx="4"/>
+          </p:nvPr>
+        </p:nvSpPr>
+        <p:spPr>
+          <a:xfrm>
+            <a:off x="0" y="8685213"/>
+            <a:ext cx="2971800" cy="458787"/>
+          </a:xfrm>
+          <a:prstGeom prst="rect">
+            <a:avLst/>
+          </a:prstGeom>
+        </p:spPr>
+        <p:txBody>
+          <a:bodyPr vert="horz" lIns="91440" tIns="45720" rIns="91440" bIns="45720" rtlCol="0" anchor="b"/>
+          <a:lstStyle>
+            <a:lvl1pPr algn="l">
+              <a:defRPr sz="1200"/>
+            </a:lvl1pPr>
+          </a:lstStyle>
+          <a:p>
+            <a:endParaRPr kumimoji="1" lang="ko-Kore-KR" altLang="en-US"/>
+          </a:p>
+        </p:txBody>
+      </p:sp>
+      <p:sp>
+        <p:nvSpPr>
+          <p:cNvPr id="7" name="슬라이드 번호 개체 틀 6"/>
+          <p:cNvSpPr>
+            <a:spLocks noGrp="1"/>
+          </p:cNvSpPr>
+          <p:nvPr>
+            <p:ph type="sldNum" sz="quarter" idx="5"/>
+          </p:nvPr>
+        </p:nvSpPr>
+        <p:spPr>
+          <a:xfrm>
+            <a:off x="3884613" y="8685213"/>
+            <a:ext cx="2971800" cy="458787"/>
+          </a:xfrm>
+          <a:prstGeom prst="rect">
+            <a:avLst/>
+          </a:prstGeom>
+        </p:spPr>
+        <p:txBody>
+          <a:bodyPr vert="horz" lIns="91440" tIns="45720" rIns="91440" bIns="45720" rtlCol="0" anchor="b"/>
+          <a:lstStyle>
+            <a:lvl1pPr algn="r">
+              <a:defRPr sz="1200"/>
+            </a:lvl1pPr>
+          </a:lstStyle>
+          <a:p>
+            <a:fld id="{CC828754-56D7-2F41-A216-D08B1E45883A}" type="slidenum">
+              <a:rPr kumimoji="1" lang="ko-Kore-KR" altLang="en-US" smtClean="0"/>
+              <a:t>‹#›</a:t>
+            </a:fld>
+            <a:endParaRPr kumimoji="1" lang="ko-Kore-KR" altLang="en-US"/>
+          </a:p>
+        </p:txBody>
+      </p:sp>
+    </p:spTree>
+    <p:extLst>
+      <p:ext uri="{BB962C8B-B14F-4D97-AF65-F5344CB8AC3E}">
+        <p14:creationId xmlns:p14="http://schemas.microsoft.com/office/powerpoint/2010/main" val="1683989435"/>
+      </p:ext>
+    </p:extLst>
+  </p:cSld>
+  <p:clrMap bg1="lt1" tx1="dk1" bg2="lt2" tx2="dk2" accent1="accent1" accent2="accent2" accent3="accent3" accent4="accent4" accent5="accent5" accent6="accent6" hlink="hlink" folHlink="folHlink"/>
+  <p:notesStyle>
+    <a:lvl1pPr marL="0" algn="l" defTabSz="914400" rtl="0" eaLnBrk="1" latinLnBrk="0" hangingPunct="1">
+      <a:defRPr sz="1200" kern="1200">
+        <a:solidFill>
+          <a:schemeClr val="tx1"/>
+        </a:solidFill>
+        <a:latin typeface="+mn-lt"/>
+        <a:ea typeface="+mn-ea"/>
+        <a:cs typeface="+mn-cs"/>
+      </a:defRPr>
+    </a:lvl1pPr>
+    <a:lvl2pPr marL="457200" algn="l" defTabSz="914400" rtl="0" eaLnBrk="1" latinLnBrk="0" hangingPunct="1">
+      <a:defRPr sz="1200" kern="1200">
+        <a:solidFill>
+          <a:schemeClr val="tx1"/>
+        </a:solidFill>
+        <a:latin typeface="+mn-lt"/>
+        <a:ea typeface="+mn-ea"/>
+        <a:cs typeface="+mn-cs"/>
+      </a:defRPr>
+    </a:lvl2pPr>
+    <a:lvl3pPr marL="914400" algn="l" defTabSz="914400" rtl="0" eaLnBrk="1" latinLnBrk="0" hangingPunct="1">
+      <a:defRPr sz="1200" kern="1200">
+        <a:solidFill>
+          <a:schemeClr val="tx1"/>
+        </a:solidFill>
+        <a:latin typeface="+mn-lt"/>
+        <a:ea typeface="+mn-ea"/>
+        <a:cs typeface="+mn-cs"/>
+      </a:defRPr>
+    </a:lvl3pPr>
+    <a:lvl4pPr marL="1371600" algn="l" defTabSz="914400" rtl="0" eaLnBrk="1" latinLnBrk="0" hangingPunct="1">
+      <a:defRPr sz="1200" kern="1200">
+        <a:solidFill>
+          <a:schemeClr val="tx1"/>
+        </a:solidFill>
+        <a:latin typeface="+mn-lt"/>
+        <a:ea typeface="+mn-ea"/>
+        <a:cs typeface="+mn-cs"/>
+      </a:defRPr>
+    </a:lvl4pPr>
+    <a:lvl5pPr marL="1828800" algn="l" defTabSz="914400" rtl="0" eaLnBrk="1" latinLnBrk="0" hangingPunct="1">
+      <a:defRPr sz="1200" kern="1200">
+        <a:solidFill>
+          <a:schemeClr val="tx1"/>
+        </a:solidFill>
+        <a:latin typeface="+mn-lt"/>
+        <a:ea typeface="+mn-ea"/>
+        <a:cs typeface="+mn-cs"/>
+      </a:defRPr>
+    </a:lvl5pPr>
+    <a:lvl6pPr marL="2286000" algn="l" defTabSz="914400" rtl="0" eaLnBrk="1" latinLnBrk="0" hangingPunct="1">
+      <a:defRPr sz="1200" kern="1200">
+        <a:solidFill>
+          <a:schemeClr val="tx1"/>
+        </a:solidFill>
+        <a:latin typeface="+mn-lt"/>
+        <a:ea typeface="+mn-ea"/>
+        <a:cs typeface="+mn-cs"/>
+      </a:defRPr>
+    </a:lvl6pPr>
+    <a:lvl7pPr marL="2743200" algn="l" defTabSz="914400" rtl="0" eaLnBrk="1" latinLnBrk="0" hangingPunct="1">
+      <a:defRPr sz="1200" kern="1200">
+        <a:solidFill>
+          <a:schemeClr val="tx1"/>
+        </a:solidFill>
+        <a:latin typeface="+mn-lt"/>
+        <a:ea typeface="+mn-ea"/>
+        <a:cs typeface="+mn-cs"/>
+      </a:defRPr>
+    </a:lvl7pPr>
+    <a:lvl8pPr marL="3200400" algn="l" defTabSz="914400" rtl="0" eaLnBrk="1" latinLnBrk="0" hangingPunct="1">
+      <a:defRPr sz="1200" kern="1200">
+        <a:solidFill>
+          <a:schemeClr val="tx1"/>
+        </a:solidFill>
+        <a:latin typeface="+mn-lt"/>
+        <a:ea typeface="+mn-ea"/>
+        <a:cs typeface="+mn-cs"/>
+      </a:defRPr>
+    </a:lvl8pPr>
+    <a:lvl9pPr marL="3657600" algn="l" defTabSz="914400" rtl="0" eaLnBrk="1" latinLnBrk="0" hangingPunct="1">
+      <a:defRPr sz="1200" kern="1200">
+        <a:solidFill>
+          <a:schemeClr val="tx1"/>
+        </a:solidFill>
+        <a:latin typeface="+mn-lt"/>
+        <a:ea typeface="+mn-ea"/>
+        <a:cs typeface="+mn-cs"/>
+      </a:defRPr>
+    </a:lvl9pPr>
+  </p:notesStyle>
+</p:notesMaster>
+</file>
+
+<file path=ppt/notesSlides/notesSlide1.xml><?xml version="1.0" encoding="utf-8"?>
+<p:notes xmlns:a="http://schemas.openxmlformats.org/drawingml/2006/main" xmlns:r="http://schemas.openxmlformats.org/officeDocument/2006/relationships" xmlns:p="http://schemas.openxmlformats.org/presentationml/2006/main">
+  <p:cSld>
+    <p:spTree>
+      <p:nvGrpSpPr>
+        <p:cNvPr id="1" name=""/>
+        <p:cNvGrpSpPr/>
+        <p:nvPr/>
+      </p:nvGrpSpPr>
+      <p:grpSpPr>
+        <a:xfrm>
+          <a:off x="0" y="0"/>
+          <a:ext cx="0" cy="0"/>
+          <a:chOff x="0" y="0"/>
+          <a:chExt cx="0" cy="0"/>
+        </a:xfrm>
+      </p:grpSpPr>
+      <p:sp>
+        <p:nvSpPr>
+          <p:cNvPr id="2" name="슬라이드 이미지 개체 틀 1"/>
+          <p:cNvSpPr>
+            <a:spLocks noGrp="1" noRot="1" noChangeAspect="1"/>
+          </p:cNvSpPr>
+          <p:nvPr>
+            <p:ph type="sldImg"/>
+          </p:nvPr>
+        </p:nvSpPr>
+        <p:spPr/>
+      </p:sp>
+      <p:sp>
+        <p:nvSpPr>
+          <p:cNvPr id="3" name="슬라이드 노트 개체 틀 2"/>
+          <p:cNvSpPr>
+            <a:spLocks noGrp="1"/>
+          </p:cNvSpPr>
+          <p:nvPr>
+            <p:ph type="body" idx="1"/>
+          </p:nvPr>
+        </p:nvSpPr>
+        <p:spPr/>
+        <p:txBody>
+          <a:bodyPr/>
+          <a:lstStyle/>
+          <a:p>
+            <a:r>
+              <a:rPr lang="ko-Kore-KR" altLang="en-US" sz="1200" dirty="0"/>
+              <a:t>PRO-ACT database </a:t>
+            </a:r>
+            <a:r>
+              <a:rPr lang="en-US" altLang="ko-Kore-KR" sz="1200" dirty="0"/>
+              <a:t>(</a:t>
+            </a:r>
+            <a:r>
+              <a:rPr lang="ko-Kore-KR" altLang="en-US" sz="1200" dirty="0">
+                <a:hlinkClick r:id="rId3"/>
+              </a:rPr>
+              <a:t>https://nctu.partners.org/proact</a:t>
+            </a:r>
+            <a:r>
+              <a:rPr lang="en-US" altLang="ko-Kore-KR" sz="1200" dirty="0"/>
+              <a:t>) a</a:t>
+            </a:r>
+            <a:r>
+              <a:rPr lang="ko-Kore-KR" altLang="en-US" sz="1200" dirty="0"/>
+              <a:t>ccessed </a:t>
+            </a:r>
+            <a:r>
+              <a:rPr lang="en-US" altLang="ko-Kore-KR" sz="1200" dirty="0"/>
+              <a:t>in </a:t>
+            </a:r>
+            <a:r>
+              <a:rPr lang="ko-Kore-KR" altLang="en-US" sz="1200" dirty="0"/>
+              <a:t>Sept. 2017</a:t>
+            </a:r>
+            <a:r>
+              <a:rPr lang="en-US" altLang="ko-Kore-KR" sz="1200" dirty="0"/>
+              <a:t>. </a:t>
+            </a:r>
+          </a:p>
+          <a:p>
+            <a:r>
+              <a:rPr kumimoji="1" lang="en-US" altLang="ko-Kore-KR" sz="1200" dirty="0"/>
+              <a:t>Excluded duplicate records, inconsistent values, and </a:t>
+            </a:r>
+            <a:r>
+              <a:rPr kumimoji="1" lang="en-US" altLang="ko-Kore-KR" sz="1200" dirty="0" err="1"/>
+              <a:t>errorneous</a:t>
+            </a:r>
+            <a:r>
+              <a:rPr kumimoji="1" lang="en-US" altLang="ko-Kore-KR" sz="1200"/>
+              <a:t> records throughout the filtering process</a:t>
+            </a:r>
+          </a:p>
+          <a:p>
+            <a:endParaRPr kumimoji="1" lang="ko-Kore-KR" altLang="en-US" dirty="0"/>
+          </a:p>
+        </p:txBody>
+      </p:sp>
+      <p:sp>
+        <p:nvSpPr>
+          <p:cNvPr id="4" name="슬라이드 번호 개체 틀 3"/>
+          <p:cNvSpPr>
+            <a:spLocks noGrp="1"/>
+          </p:cNvSpPr>
+          <p:nvPr>
+            <p:ph type="sldNum" sz="quarter" idx="5"/>
+          </p:nvPr>
+        </p:nvSpPr>
+        <p:spPr/>
+        <p:txBody>
+          <a:bodyPr/>
+          <a:lstStyle/>
+          <a:p>
+            <a:fld id="{CC828754-56D7-2F41-A216-D08B1E45883A}" type="slidenum">
+              <a:rPr kumimoji="1" lang="ko-Kore-KR" altLang="en-US" smtClean="0"/>
+              <a:t>1</a:t>
+            </a:fld>
+            <a:endParaRPr kumimoji="1" lang="ko-Kore-KR" altLang="en-US"/>
+          </a:p>
+        </p:txBody>
+      </p:sp>
+    </p:spTree>
+    <p:extLst>
+      <p:ext uri="{BB962C8B-B14F-4D97-AF65-F5344CB8AC3E}">
+        <p14:creationId xmlns:p14="http://schemas.microsoft.com/office/powerpoint/2010/main" val="798137437"/>
+      </p:ext>
+    </p:extLst>
+  </p:cSld>
+  <p:clrMapOvr>
+    <a:masterClrMapping/>
+  </p:clrMapOvr>
+</p:notes>
 </file>
 
 <file path=ppt/slideLayouts/slideLayout1.xml><?xml version="1.0" encoding="utf-8"?>
@@ -238,7 +730,7 @@
           <a:p>
             <a:fld id="{675DC565-0366-CB4D-B51C-3AFAB9C6B54C}" type="datetimeFigureOut">
               <a:rPr kumimoji="1" lang="ko-Kore-KR" altLang="en-US" smtClean="0"/>
-              <a:t>2021. 10. 4.</a:t>
+              <a:t>2022. 3. 7.</a:t>
             </a:fld>
             <a:endParaRPr kumimoji="1" lang="ko-Kore-KR" altLang="en-US"/>
           </a:p>
@@ -408,7 +900,7 @@
           <a:p>
             <a:fld id="{675DC565-0366-CB4D-B51C-3AFAB9C6B54C}" type="datetimeFigureOut">
               <a:rPr kumimoji="1" lang="ko-Kore-KR" altLang="en-US" smtClean="0"/>
-              <a:t>2021. 10. 4.</a:t>
+              <a:t>2022. 3. 7.</a:t>
             </a:fld>
             <a:endParaRPr kumimoji="1" lang="ko-Kore-KR" altLang="en-US"/>
           </a:p>
@@ -588,7 +1080,7 @@
           <a:p>
             <a:fld id="{675DC565-0366-CB4D-B51C-3AFAB9C6B54C}" type="datetimeFigureOut">
               <a:rPr kumimoji="1" lang="ko-Kore-KR" altLang="en-US" smtClean="0"/>
-              <a:t>2021. 10. 4.</a:t>
+              <a:t>2022. 3. 7.</a:t>
             </a:fld>
             <a:endParaRPr kumimoji="1" lang="ko-Kore-KR" altLang="en-US"/>
           </a:p>
@@ -758,7 +1250,7 @@
           <a:p>
             <a:fld id="{675DC565-0366-CB4D-B51C-3AFAB9C6B54C}" type="datetimeFigureOut">
               <a:rPr kumimoji="1" lang="ko-Kore-KR" altLang="en-US" smtClean="0"/>
-              <a:t>2021. 10. 4.</a:t>
+              <a:t>2022. 3. 7.</a:t>
             </a:fld>
             <a:endParaRPr kumimoji="1" lang="ko-Kore-KR" altLang="en-US"/>
           </a:p>
@@ -1002,7 +1494,7 @@
           <a:p>
             <a:fld id="{675DC565-0366-CB4D-B51C-3AFAB9C6B54C}" type="datetimeFigureOut">
               <a:rPr kumimoji="1" lang="ko-Kore-KR" altLang="en-US" smtClean="0"/>
-              <a:t>2021. 10. 4.</a:t>
+              <a:t>2022. 3. 7.</a:t>
             </a:fld>
             <a:endParaRPr kumimoji="1" lang="ko-Kore-KR" altLang="en-US"/>
           </a:p>
@@ -1234,7 +1726,7 @@
           <a:p>
             <a:fld id="{675DC565-0366-CB4D-B51C-3AFAB9C6B54C}" type="datetimeFigureOut">
               <a:rPr kumimoji="1" lang="ko-Kore-KR" altLang="en-US" smtClean="0"/>
-              <a:t>2021. 10. 4.</a:t>
+              <a:t>2022. 3. 7.</a:t>
             </a:fld>
             <a:endParaRPr kumimoji="1" lang="ko-Kore-KR" altLang="en-US"/>
           </a:p>
@@ -1601,7 +2093,7 @@
           <a:p>
             <a:fld id="{675DC565-0366-CB4D-B51C-3AFAB9C6B54C}" type="datetimeFigureOut">
               <a:rPr kumimoji="1" lang="ko-Kore-KR" altLang="en-US" smtClean="0"/>
-              <a:t>2021. 10. 4.</a:t>
+              <a:t>2022. 3. 7.</a:t>
             </a:fld>
             <a:endParaRPr kumimoji="1" lang="ko-Kore-KR" altLang="en-US"/>
           </a:p>
@@ -1719,7 +2211,7 @@
           <a:p>
             <a:fld id="{675DC565-0366-CB4D-B51C-3AFAB9C6B54C}" type="datetimeFigureOut">
               <a:rPr kumimoji="1" lang="ko-Kore-KR" altLang="en-US" smtClean="0"/>
-              <a:t>2021. 10. 4.</a:t>
+              <a:t>2022. 3. 7.</a:t>
             </a:fld>
             <a:endParaRPr kumimoji="1" lang="ko-Kore-KR" altLang="en-US"/>
           </a:p>
@@ -1814,7 +2306,7 @@
           <a:p>
             <a:fld id="{675DC565-0366-CB4D-B51C-3AFAB9C6B54C}" type="datetimeFigureOut">
               <a:rPr kumimoji="1" lang="ko-Kore-KR" altLang="en-US" smtClean="0"/>
-              <a:t>2021. 10. 4.</a:t>
+              <a:t>2022. 3. 7.</a:t>
             </a:fld>
             <a:endParaRPr kumimoji="1" lang="ko-Kore-KR" altLang="en-US"/>
           </a:p>
@@ -2091,7 +2583,7 @@
           <a:p>
             <a:fld id="{675DC565-0366-CB4D-B51C-3AFAB9C6B54C}" type="datetimeFigureOut">
               <a:rPr kumimoji="1" lang="ko-Kore-KR" altLang="en-US" smtClean="0"/>
-              <a:t>2021. 10. 4.</a:t>
+              <a:t>2022. 3. 7.</a:t>
             </a:fld>
             <a:endParaRPr kumimoji="1" lang="ko-Kore-KR" altLang="en-US"/>
           </a:p>
@@ -2348,7 +2840,7 @@
           <a:p>
             <a:fld id="{675DC565-0366-CB4D-B51C-3AFAB9C6B54C}" type="datetimeFigureOut">
               <a:rPr kumimoji="1" lang="ko-Kore-KR" altLang="en-US" smtClean="0"/>
-              <a:t>2021. 10. 4.</a:t>
+              <a:t>2022. 3. 7.</a:t>
             </a:fld>
             <a:endParaRPr kumimoji="1" lang="ko-Kore-KR" altLang="en-US"/>
           </a:p>
@@ -2561,7 +3053,7 @@
           <a:p>
             <a:fld id="{675DC565-0366-CB4D-B51C-3AFAB9C6B54C}" type="datetimeFigureOut">
               <a:rPr kumimoji="1" lang="ko-Kore-KR" altLang="en-US" smtClean="0"/>
-              <a:t>2021. 10. 4.</a:t>
+              <a:t>2022. 3. 7.</a:t>
             </a:fld>
             <a:endParaRPr kumimoji="1" lang="ko-Kore-KR" altLang="en-US"/>
           </a:p>
@@ -2966,972 +3458,1082 @@
           <a:chExt cx="0" cy="0"/>
         </a:xfrm>
       </p:grpSpPr>
-      <p:sp>
-        <p:nvSpPr>
-          <p:cNvPr id="21" name="직사각형 20">
+      <p:grpSp>
+        <p:nvGrpSpPr>
+          <p:cNvPr id="8" name="그룹 7">
             <a:extLst>
               <a:ext uri="{FF2B5EF4-FFF2-40B4-BE49-F238E27FC236}">
-                <a16:creationId xmlns:a16="http://schemas.microsoft.com/office/drawing/2014/main" id="{125B4E44-7C76-2B47-8396-E44C97231E5F}"/>
+                <a16:creationId xmlns:a16="http://schemas.microsoft.com/office/drawing/2014/main" id="{752E0B3C-9C94-764B-9C0A-21803D22E51E}"/>
               </a:ext>
             </a:extLst>
           </p:cNvPr>
-          <p:cNvSpPr/>
+          <p:cNvGrpSpPr/>
           <p:nvPr/>
-        </p:nvSpPr>
-        <p:spPr>
+        </p:nvGrpSpPr>
+        <p:grpSpPr>
           <a:xfrm>
-            <a:off x="1247505" y="457334"/>
-            <a:ext cx="1755724" cy="783771"/>
+            <a:off x="919537" y="197594"/>
+            <a:ext cx="7304926" cy="6406262"/>
+            <a:chOff x="919537" y="197594"/>
+            <a:chExt cx="7304926" cy="6406262"/>
           </a:xfrm>
-          <a:prstGeom prst="rect">
-            <a:avLst/>
-          </a:prstGeom>
-          <a:noFill/>
-          <a:ln>
+        </p:grpSpPr>
+        <p:sp>
+          <p:nvSpPr>
+            <p:cNvPr id="3" name="직사각형 2">
+              <a:extLst>
+                <a:ext uri="{FF2B5EF4-FFF2-40B4-BE49-F238E27FC236}">
+                  <a16:creationId xmlns:a16="http://schemas.microsoft.com/office/drawing/2014/main" id="{31046EA6-B5BA-2A46-A479-1C53E482E369}"/>
+                </a:ext>
+              </a:extLst>
+            </p:cNvPr>
+            <p:cNvSpPr/>
+            <p:nvPr/>
+          </p:nvSpPr>
+          <p:spPr>
+            <a:xfrm>
+              <a:off x="919537" y="197594"/>
+              <a:ext cx="7304926" cy="6298058"/>
+            </a:xfrm>
+            <a:prstGeom prst="rect">
+              <a:avLst/>
+            </a:prstGeom>
             <a:solidFill>
+              <a:schemeClr val="bg1"/>
+            </a:solidFill>
+            <a:ln>
+              <a:noFill/>
+            </a:ln>
+          </p:spPr>
+          <p:style>
+            <a:lnRef idx="2">
+              <a:schemeClr val="accent1">
+                <a:shade val="50000"/>
+              </a:schemeClr>
+            </a:lnRef>
+            <a:fillRef idx="1">
+              <a:schemeClr val="accent1"/>
+            </a:fillRef>
+            <a:effectRef idx="0">
+              <a:schemeClr val="accent1"/>
+            </a:effectRef>
+            <a:fontRef idx="minor">
+              <a:schemeClr val="lt1"/>
+            </a:fontRef>
+          </p:style>
+          <p:txBody>
+            <a:bodyPr rtlCol="0" anchor="ctr"/>
+            <a:lstStyle/>
+            <a:p>
+              <a:pPr algn="ctr"/>
+              <a:endParaRPr kumimoji="1" lang="ko-Kore-KR" altLang="en-US"/>
+            </a:p>
+          </p:txBody>
+        </p:sp>
+        <p:sp>
+          <p:nvSpPr>
+            <p:cNvPr id="21" name="직사각형 20">
+              <a:extLst>
+                <a:ext uri="{FF2B5EF4-FFF2-40B4-BE49-F238E27FC236}">
+                  <a16:creationId xmlns:a16="http://schemas.microsoft.com/office/drawing/2014/main" id="{125B4E44-7C76-2B47-8396-E44C97231E5F}"/>
+                </a:ext>
+              </a:extLst>
+            </p:cNvPr>
+            <p:cNvSpPr/>
+            <p:nvPr/>
+          </p:nvSpPr>
+          <p:spPr>
+            <a:xfrm>
+              <a:off x="1190997" y="490541"/>
+              <a:ext cx="1755724" cy="783771"/>
+            </a:xfrm>
+            <a:prstGeom prst="rect">
+              <a:avLst/>
+            </a:prstGeom>
+            <a:noFill/>
+            <a:ln>
+              <a:solidFill>
+                <a:schemeClr val="tx1"/>
+              </a:solidFill>
+            </a:ln>
+          </p:spPr>
+          <p:style>
+            <a:lnRef idx="2">
+              <a:schemeClr val="accent1">
+                <a:shade val="50000"/>
+              </a:schemeClr>
+            </a:lnRef>
+            <a:fillRef idx="1">
+              <a:schemeClr val="accent1"/>
+            </a:fillRef>
+            <a:effectRef idx="0">
+              <a:schemeClr val="accent1"/>
+            </a:effectRef>
+            <a:fontRef idx="minor">
+              <a:schemeClr val="lt1"/>
+            </a:fontRef>
+          </p:style>
+          <p:txBody>
+            <a:bodyPr rtlCol="0" anchor="ctr"/>
+            <a:lstStyle/>
+            <a:p>
+              <a:pPr algn="ctr"/>
+              <a:endParaRPr kumimoji="1" lang="ko-Kore-KR" altLang="en-US"/>
+            </a:p>
+          </p:txBody>
+        </p:sp>
+        <p:sp>
+          <p:nvSpPr>
+            <p:cNvPr id="4" name="TextBox 3">
+              <a:extLst>
+                <a:ext uri="{FF2B5EF4-FFF2-40B4-BE49-F238E27FC236}">
+                  <a16:creationId xmlns:a16="http://schemas.microsoft.com/office/drawing/2014/main" id="{E0D0643A-AFF0-4943-BB66-35493C7CAEB0}"/>
+                </a:ext>
+              </a:extLst>
+            </p:cNvPr>
+            <p:cNvSpPr txBox="1"/>
+            <p:nvPr/>
+          </p:nvSpPr>
+          <p:spPr>
+            <a:xfrm>
+              <a:off x="1455824" y="578875"/>
+              <a:ext cx="1247841" cy="584775"/>
+            </a:xfrm>
+            <a:prstGeom prst="rect">
+              <a:avLst/>
+            </a:prstGeom>
+            <a:noFill/>
+          </p:spPr>
+          <p:txBody>
+            <a:bodyPr wrap="none" rtlCol="0">
+              <a:spAutoFit/>
+            </a:bodyPr>
+            <a:lstStyle/>
+            <a:p>
+              <a:pPr algn="ctr"/>
+              <a:r>
+                <a:rPr kumimoji="1" lang="en-US" altLang="ko-Kore-KR" sz="1600" dirty="0"/>
+                <a:t>Original data</a:t>
+              </a:r>
+              <a:endParaRPr kumimoji="1" lang="en-US" altLang="ko-Kore-KR" sz="1600" baseline="30000" dirty="0"/>
+            </a:p>
+            <a:p>
+              <a:pPr algn="ctr"/>
+              <a:r>
+                <a:rPr kumimoji="1" lang="en-US" altLang="ko-Kore-KR" sz="1600" dirty="0"/>
+                <a:t>(n=10,723)</a:t>
+              </a:r>
+              <a:endParaRPr kumimoji="1" lang="ko-Kore-KR" altLang="en-US" sz="1600" dirty="0"/>
+            </a:p>
+          </p:txBody>
+        </p:sp>
+        <p:sp>
+          <p:nvSpPr>
+            <p:cNvPr id="6" name="TextBox 5">
+              <a:extLst>
+                <a:ext uri="{FF2B5EF4-FFF2-40B4-BE49-F238E27FC236}">
+                  <a16:creationId xmlns:a16="http://schemas.microsoft.com/office/drawing/2014/main" id="{A41EFC93-9237-9D4A-8393-C2D61847FD15}"/>
+                </a:ext>
+              </a:extLst>
+            </p:cNvPr>
+            <p:cNvSpPr txBox="1"/>
+            <p:nvPr/>
+          </p:nvSpPr>
+          <p:spPr>
+            <a:xfrm>
+              <a:off x="3401577" y="1269943"/>
+              <a:ext cx="4494942" cy="523220"/>
+            </a:xfrm>
+            <a:prstGeom prst="rect">
+              <a:avLst/>
+            </a:prstGeom>
+            <a:noFill/>
+            <a:ln>
+              <a:solidFill>
+                <a:schemeClr val="bg2">
+                  <a:lumMod val="50000"/>
+                </a:schemeClr>
+              </a:solidFill>
+            </a:ln>
+          </p:spPr>
+          <p:txBody>
+            <a:bodyPr wrap="square" rtlCol="0">
+              <a:spAutoFit/>
+            </a:bodyPr>
+            <a:lstStyle/>
+            <a:p>
+              <a:r>
+                <a:rPr kumimoji="1" lang="en-US" altLang="ko-Kore-KR" sz="1400" dirty="0"/>
+                <a:t>Demographic records (age, gender, race): either none (n=2,070) or incomplete (n=7)</a:t>
+              </a:r>
+            </a:p>
+          </p:txBody>
+        </p:sp>
+        <p:sp>
+          <p:nvSpPr>
+            <p:cNvPr id="9" name="TextBox 8">
+              <a:extLst>
+                <a:ext uri="{FF2B5EF4-FFF2-40B4-BE49-F238E27FC236}">
+                  <a16:creationId xmlns:a16="http://schemas.microsoft.com/office/drawing/2014/main" id="{FE62E119-FE33-4E43-BA8E-159E6100F0B2}"/>
+                </a:ext>
+              </a:extLst>
+            </p:cNvPr>
+            <p:cNvSpPr txBox="1"/>
+            <p:nvPr/>
+          </p:nvSpPr>
+          <p:spPr>
+            <a:xfrm>
+              <a:off x="1557838" y="1895029"/>
+              <a:ext cx="1043811" cy="584775"/>
+            </a:xfrm>
+            <a:prstGeom prst="rect">
+              <a:avLst/>
+            </a:prstGeom>
+            <a:noFill/>
+          </p:spPr>
+          <p:txBody>
+            <a:bodyPr wrap="none" rtlCol="0">
+              <a:spAutoFit/>
+            </a:bodyPr>
+            <a:lstStyle/>
+            <a:p>
+              <a:pPr algn="ctr"/>
+              <a:r>
+                <a:rPr kumimoji="1" lang="en-US" altLang="ko-Kore-KR" sz="1600" dirty="0"/>
+                <a:t>Filtered (I)</a:t>
+              </a:r>
+            </a:p>
+            <a:p>
+              <a:pPr algn="ctr"/>
+              <a:r>
+                <a:rPr kumimoji="1" lang="en-US" altLang="ko-Kore-KR" sz="1600" dirty="0"/>
+                <a:t>(n=8,646)</a:t>
+              </a:r>
+              <a:endParaRPr kumimoji="1" lang="ko-Kore-KR" altLang="en-US" sz="1600" dirty="0"/>
+            </a:p>
+          </p:txBody>
+        </p:sp>
+        <p:sp>
+          <p:nvSpPr>
+            <p:cNvPr id="12" name="TextBox 11">
+              <a:extLst>
+                <a:ext uri="{FF2B5EF4-FFF2-40B4-BE49-F238E27FC236}">
+                  <a16:creationId xmlns:a16="http://schemas.microsoft.com/office/drawing/2014/main" id="{773401D9-1BCC-BB43-A08A-4F0D5A221097}"/>
+                </a:ext>
+              </a:extLst>
+            </p:cNvPr>
+            <p:cNvSpPr txBox="1"/>
+            <p:nvPr/>
+          </p:nvSpPr>
+          <p:spPr>
+            <a:xfrm>
+              <a:off x="1543075" y="3229341"/>
+              <a:ext cx="1095108" cy="584775"/>
+            </a:xfrm>
+            <a:prstGeom prst="rect">
+              <a:avLst/>
+            </a:prstGeom>
+            <a:noFill/>
+          </p:spPr>
+          <p:txBody>
+            <a:bodyPr wrap="none" rtlCol="0">
+              <a:spAutoFit/>
+            </a:bodyPr>
+            <a:lstStyle/>
+            <a:p>
+              <a:pPr algn="ctr"/>
+              <a:r>
+                <a:rPr kumimoji="1" lang="en-US" altLang="ko-Kore-KR" sz="1600" dirty="0"/>
+                <a:t>Filtered (II)</a:t>
+              </a:r>
+            </a:p>
+            <a:p>
+              <a:pPr algn="ctr"/>
+              <a:r>
+                <a:rPr kumimoji="1" lang="en-US" altLang="ko-Kore-KR" sz="1600" dirty="0"/>
+                <a:t>(n=4,442)</a:t>
+              </a:r>
+              <a:endParaRPr kumimoji="1" lang="ko-Kore-KR" altLang="en-US" sz="1600" dirty="0"/>
+            </a:p>
+          </p:txBody>
+        </p:sp>
+        <p:sp>
+          <p:nvSpPr>
+            <p:cNvPr id="17" name="TextBox 16">
+              <a:extLst>
+                <a:ext uri="{FF2B5EF4-FFF2-40B4-BE49-F238E27FC236}">
+                  <a16:creationId xmlns:a16="http://schemas.microsoft.com/office/drawing/2014/main" id="{E5091518-C69A-DC40-BCB2-56B0977B3E96}"/>
+                </a:ext>
+              </a:extLst>
+            </p:cNvPr>
+            <p:cNvSpPr txBox="1"/>
+            <p:nvPr/>
+          </p:nvSpPr>
+          <p:spPr>
+            <a:xfrm>
+              <a:off x="3401571" y="2384749"/>
+              <a:ext cx="4494948" cy="954107"/>
+            </a:xfrm>
+            <a:prstGeom prst="rect">
+              <a:avLst/>
+            </a:prstGeom>
+            <a:noFill/>
+            <a:ln>
+              <a:solidFill>
+                <a:schemeClr val="bg2">
+                  <a:lumMod val="50000"/>
+                </a:schemeClr>
+              </a:solidFill>
+            </a:ln>
+          </p:spPr>
+          <p:txBody>
+            <a:bodyPr wrap="square" rtlCol="0">
+              <a:spAutoFit/>
+            </a:bodyPr>
+            <a:lstStyle/>
+            <a:p>
+              <a:r>
+                <a:rPr kumimoji="1" lang="en-US" altLang="ko-Kore-KR" sz="1400" dirty="0"/>
+                <a:t>ALS history (onset region, time since onset, time since diagnosis): either none (n=1,419) or incomplete (n=2,770) </a:t>
+              </a:r>
+              <a:r>
+                <a:rPr kumimoji="1" lang="en-US" altLang="ko-Kore-KR" sz="1400" dirty="0" err="1"/>
+                <a:t>Errorneous</a:t>
+              </a:r>
+              <a:r>
+                <a:rPr kumimoji="1" lang="en-US" altLang="ko-Kore-KR" sz="1400" dirty="0"/>
+                <a:t> values (n=15) (time since diagnosis &lt; 0, time since onset &lt; 0,  time since diagnosis &gt; time since onset)</a:t>
+              </a:r>
+            </a:p>
+          </p:txBody>
+        </p:sp>
+        <p:sp>
+          <p:nvSpPr>
+            <p:cNvPr id="19" name="TextBox 18">
+              <a:extLst>
+                <a:ext uri="{FF2B5EF4-FFF2-40B4-BE49-F238E27FC236}">
+                  <a16:creationId xmlns:a16="http://schemas.microsoft.com/office/drawing/2014/main" id="{E54B1CE6-0BFC-4F46-8D84-7324666C96A4}"/>
+                </a:ext>
+              </a:extLst>
+            </p:cNvPr>
+            <p:cNvSpPr txBox="1"/>
+            <p:nvPr/>
+          </p:nvSpPr>
+          <p:spPr>
+            <a:xfrm>
+              <a:off x="3401577" y="3920182"/>
+              <a:ext cx="4494947" cy="523220"/>
+            </a:xfrm>
+            <a:prstGeom prst="rect">
+              <a:avLst/>
+            </a:prstGeom>
+            <a:noFill/>
+            <a:ln>
+              <a:solidFill>
+                <a:schemeClr val="bg2">
+                  <a:lumMod val="50000"/>
+                </a:schemeClr>
+              </a:solidFill>
+            </a:ln>
+          </p:spPr>
+          <p:txBody>
+            <a:bodyPr wrap="square" rtlCol="0">
+              <a:spAutoFit/>
+            </a:bodyPr>
+            <a:lstStyle/>
+            <a:p>
+              <a:r>
+                <a:rPr kumimoji="1" lang="en-US" altLang="ko-Kore-KR" sz="1400" dirty="0"/>
+                <a:t>ALSFRS-R: participants without any complete record  (n=1,384) for the first 3 months</a:t>
+              </a:r>
+            </a:p>
+          </p:txBody>
+        </p:sp>
+        <p:sp>
+          <p:nvSpPr>
+            <p:cNvPr id="20" name="TextBox 19">
+              <a:extLst>
+                <a:ext uri="{FF2B5EF4-FFF2-40B4-BE49-F238E27FC236}">
+                  <a16:creationId xmlns:a16="http://schemas.microsoft.com/office/drawing/2014/main" id="{B0C1FF97-B78B-8A47-AF79-972A8AAEFA81}"/>
+                </a:ext>
+              </a:extLst>
+            </p:cNvPr>
+            <p:cNvSpPr txBox="1"/>
+            <p:nvPr/>
+          </p:nvSpPr>
+          <p:spPr>
+            <a:xfrm>
+              <a:off x="1421357" y="4585425"/>
+              <a:ext cx="1316771" cy="584775"/>
+            </a:xfrm>
+            <a:prstGeom prst="rect">
+              <a:avLst/>
+            </a:prstGeom>
+            <a:noFill/>
+          </p:spPr>
+          <p:txBody>
+            <a:bodyPr wrap="none" rtlCol="0">
+              <a:spAutoFit/>
+            </a:bodyPr>
+            <a:lstStyle/>
+            <a:p>
+              <a:pPr algn="ctr"/>
+              <a:r>
+                <a:rPr kumimoji="1" lang="en-US" altLang="ko-Kore-KR" sz="1600" dirty="0"/>
+                <a:t>Final data (III)</a:t>
+              </a:r>
+            </a:p>
+            <a:p>
+              <a:pPr algn="ctr"/>
+              <a:r>
+                <a:rPr kumimoji="1" lang="en-US" altLang="ko-Kore-KR" sz="1600" dirty="0"/>
+                <a:t>(n=3,058)</a:t>
+              </a:r>
+              <a:endParaRPr kumimoji="1" lang="ko-Kore-KR" altLang="en-US" sz="1600" dirty="0"/>
+            </a:p>
+          </p:txBody>
+        </p:sp>
+        <p:sp>
+          <p:nvSpPr>
+            <p:cNvPr id="22" name="직사각형 21">
+              <a:extLst>
+                <a:ext uri="{FF2B5EF4-FFF2-40B4-BE49-F238E27FC236}">
+                  <a16:creationId xmlns:a16="http://schemas.microsoft.com/office/drawing/2014/main" id="{2FC17E64-B69C-3F46-8F83-4C672AC6D7F8}"/>
+                </a:ext>
+              </a:extLst>
+            </p:cNvPr>
+            <p:cNvSpPr/>
+            <p:nvPr/>
+          </p:nvSpPr>
+          <p:spPr>
+            <a:xfrm>
+              <a:off x="1190997" y="1793215"/>
+              <a:ext cx="1755724" cy="783771"/>
+            </a:xfrm>
+            <a:prstGeom prst="rect">
+              <a:avLst/>
+            </a:prstGeom>
+            <a:noFill/>
+            <a:ln>
+              <a:solidFill>
+                <a:schemeClr val="tx1"/>
+              </a:solidFill>
+            </a:ln>
+          </p:spPr>
+          <p:style>
+            <a:lnRef idx="2">
+              <a:schemeClr val="accent1">
+                <a:shade val="50000"/>
+              </a:schemeClr>
+            </a:lnRef>
+            <a:fillRef idx="1">
+              <a:schemeClr val="accent1"/>
+            </a:fillRef>
+            <a:effectRef idx="0">
+              <a:schemeClr val="accent1"/>
+            </a:effectRef>
+            <a:fontRef idx="minor">
+              <a:schemeClr val="lt1"/>
+            </a:fontRef>
+          </p:style>
+          <p:txBody>
+            <a:bodyPr rtlCol="0" anchor="ctr"/>
+            <a:lstStyle/>
+            <a:p>
+              <a:pPr algn="ctr"/>
+              <a:endParaRPr kumimoji="1" lang="ko-Kore-KR" altLang="en-US"/>
+            </a:p>
+          </p:txBody>
+        </p:sp>
+        <p:sp>
+          <p:nvSpPr>
+            <p:cNvPr id="23" name="직사각형 22">
+              <a:extLst>
+                <a:ext uri="{FF2B5EF4-FFF2-40B4-BE49-F238E27FC236}">
+                  <a16:creationId xmlns:a16="http://schemas.microsoft.com/office/drawing/2014/main" id="{7B3B9C10-ABA3-574D-A20F-915D151BA689}"/>
+                </a:ext>
+              </a:extLst>
+            </p:cNvPr>
+            <p:cNvSpPr/>
+            <p:nvPr/>
+          </p:nvSpPr>
+          <p:spPr>
+            <a:xfrm>
+              <a:off x="1189730" y="3140728"/>
+              <a:ext cx="1755724" cy="783771"/>
+            </a:xfrm>
+            <a:prstGeom prst="rect">
+              <a:avLst/>
+            </a:prstGeom>
+            <a:noFill/>
+            <a:ln>
+              <a:solidFill>
+                <a:schemeClr val="tx1"/>
+              </a:solidFill>
+            </a:ln>
+          </p:spPr>
+          <p:style>
+            <a:lnRef idx="2">
+              <a:schemeClr val="accent1">
+                <a:shade val="50000"/>
+              </a:schemeClr>
+            </a:lnRef>
+            <a:fillRef idx="1">
+              <a:schemeClr val="accent1"/>
+            </a:fillRef>
+            <a:effectRef idx="0">
+              <a:schemeClr val="accent1"/>
+            </a:effectRef>
+            <a:fontRef idx="minor">
+              <a:schemeClr val="lt1"/>
+            </a:fontRef>
+          </p:style>
+          <p:txBody>
+            <a:bodyPr rtlCol="0" anchor="ctr"/>
+            <a:lstStyle/>
+            <a:p>
+              <a:pPr algn="ctr"/>
+              <a:endParaRPr kumimoji="1" lang="ko-Kore-KR" altLang="en-US"/>
+            </a:p>
+          </p:txBody>
+        </p:sp>
+        <p:sp>
+          <p:nvSpPr>
+            <p:cNvPr id="24" name="직사각형 23">
+              <a:extLst>
+                <a:ext uri="{FF2B5EF4-FFF2-40B4-BE49-F238E27FC236}">
+                  <a16:creationId xmlns:a16="http://schemas.microsoft.com/office/drawing/2014/main" id="{E5F9B5C0-986C-7046-AC5B-75267FFC905D}"/>
+                </a:ext>
+              </a:extLst>
+            </p:cNvPr>
+            <p:cNvSpPr/>
+            <p:nvPr/>
+          </p:nvSpPr>
+          <p:spPr>
+            <a:xfrm>
+              <a:off x="1200616" y="4488241"/>
+              <a:ext cx="1755724" cy="783771"/>
+            </a:xfrm>
+            <a:prstGeom prst="rect">
+              <a:avLst/>
+            </a:prstGeom>
+            <a:noFill/>
+            <a:ln>
+              <a:solidFill>
+                <a:schemeClr val="tx1"/>
+              </a:solidFill>
+            </a:ln>
+          </p:spPr>
+          <p:style>
+            <a:lnRef idx="2">
+              <a:schemeClr val="accent1">
+                <a:shade val="50000"/>
+              </a:schemeClr>
+            </a:lnRef>
+            <a:fillRef idx="1">
+              <a:schemeClr val="accent1"/>
+            </a:fillRef>
+            <a:effectRef idx="0">
+              <a:schemeClr val="accent1"/>
+            </a:effectRef>
+            <a:fontRef idx="minor">
+              <a:schemeClr val="lt1"/>
+            </a:fontRef>
+          </p:style>
+          <p:txBody>
+            <a:bodyPr rtlCol="0" anchor="ctr"/>
+            <a:lstStyle/>
+            <a:p>
+              <a:pPr algn="ctr"/>
+              <a:endParaRPr kumimoji="1" lang="ko-Kore-KR" altLang="en-US"/>
+            </a:p>
+          </p:txBody>
+        </p:sp>
+        <p:cxnSp>
+          <p:nvCxnSpPr>
+            <p:cNvPr id="26" name="직선 화살표 연결선 25">
+              <a:extLst>
+                <a:ext uri="{FF2B5EF4-FFF2-40B4-BE49-F238E27FC236}">
+                  <a16:creationId xmlns:a16="http://schemas.microsoft.com/office/drawing/2014/main" id="{3CD50DE2-FCF4-1044-A745-62CABD412B70}"/>
+                </a:ext>
+              </a:extLst>
+            </p:cNvPr>
+            <p:cNvCxnSpPr>
+              <a:cxnSpLocks/>
+            </p:cNvCxnSpPr>
+            <p:nvPr/>
+          </p:nvCxnSpPr>
+          <p:spPr>
+            <a:xfrm>
+              <a:off x="2079745" y="1274312"/>
+              <a:ext cx="0" cy="518903"/>
+            </a:xfrm>
+            <a:prstGeom prst="straightConnector1">
+              <a:avLst/>
+            </a:prstGeom>
+            <a:ln>
+              <a:solidFill>
+                <a:schemeClr val="tx1"/>
+              </a:solidFill>
+              <a:tailEnd type="triangle"/>
+            </a:ln>
+          </p:spPr>
+          <p:style>
+            <a:lnRef idx="1">
+              <a:schemeClr val="accent1"/>
+            </a:lnRef>
+            <a:fillRef idx="0">
+              <a:schemeClr val="accent1"/>
+            </a:fillRef>
+            <a:effectRef idx="0">
+              <a:schemeClr val="accent1"/>
+            </a:effectRef>
+            <a:fontRef idx="minor">
               <a:schemeClr val="tx1"/>
-            </a:solidFill>
-          </a:ln>
-        </p:spPr>
-        <p:style>
-          <a:lnRef idx="2">
-            <a:schemeClr val="accent1">
-              <a:shade val="50000"/>
-            </a:schemeClr>
-          </a:lnRef>
-          <a:fillRef idx="1">
-            <a:schemeClr val="accent1"/>
-          </a:fillRef>
-          <a:effectRef idx="0">
-            <a:schemeClr val="accent1"/>
-          </a:effectRef>
-          <a:fontRef idx="minor">
-            <a:schemeClr val="lt1"/>
-          </a:fontRef>
-        </p:style>
-        <p:txBody>
-          <a:bodyPr rtlCol="0" anchor="ctr"/>
-          <a:lstStyle/>
-          <a:p>
-            <a:pPr algn="ctr"/>
-            <a:endParaRPr kumimoji="1" lang="ko-Kore-KR" altLang="en-US"/>
-          </a:p>
-        </p:txBody>
-      </p:sp>
-      <p:sp>
-        <p:nvSpPr>
-          <p:cNvPr id="4" name="TextBox 3">
-            <a:extLst>
-              <a:ext uri="{FF2B5EF4-FFF2-40B4-BE49-F238E27FC236}">
-                <a16:creationId xmlns:a16="http://schemas.microsoft.com/office/drawing/2014/main" id="{E0D0643A-AFF0-4943-BB66-35493C7CAEB0}"/>
-              </a:ext>
-            </a:extLst>
-          </p:cNvPr>
-          <p:cNvSpPr txBox="1"/>
-          <p:nvPr/>
-        </p:nvSpPr>
-        <p:spPr>
-          <a:xfrm>
-            <a:off x="1590269" y="545668"/>
-            <a:ext cx="1091966" cy="584775"/>
-          </a:xfrm>
-          <a:prstGeom prst="rect">
-            <a:avLst/>
-          </a:prstGeom>
-          <a:noFill/>
-        </p:spPr>
-        <p:txBody>
-          <a:bodyPr wrap="none" rtlCol="0">
-            <a:spAutoFit/>
-          </a:bodyPr>
-          <a:lstStyle/>
-          <a:p>
-            <a:pPr algn="ctr"/>
-            <a:r>
-              <a:rPr kumimoji="1" lang="en-US" altLang="ko-Kore-KR" sz="1600" dirty="0"/>
-              <a:t>Raw data*</a:t>
-            </a:r>
-          </a:p>
-          <a:p>
-            <a:pPr algn="ctr"/>
-            <a:r>
-              <a:rPr kumimoji="1" lang="en-US" altLang="ko-Kore-KR" sz="1600" dirty="0"/>
-              <a:t>(n=10,723)</a:t>
-            </a:r>
-            <a:endParaRPr kumimoji="1" lang="ko-Kore-KR" altLang="en-US" sz="1600" dirty="0"/>
-          </a:p>
-        </p:txBody>
-      </p:sp>
-      <p:sp>
-        <p:nvSpPr>
-          <p:cNvPr id="5" name="TextBox 4">
-            <a:extLst>
-              <a:ext uri="{FF2B5EF4-FFF2-40B4-BE49-F238E27FC236}">
-                <a16:creationId xmlns:a16="http://schemas.microsoft.com/office/drawing/2014/main" id="{438256BA-CEE7-114A-B24A-24410BA8A0A7}"/>
-              </a:ext>
-            </a:extLst>
-          </p:cNvPr>
-          <p:cNvSpPr txBox="1"/>
-          <p:nvPr/>
-        </p:nvSpPr>
-        <p:spPr>
-          <a:xfrm>
-            <a:off x="3458079" y="5136993"/>
-            <a:ext cx="4494947" cy="1384995"/>
-          </a:xfrm>
-          <a:prstGeom prst="rect">
-            <a:avLst/>
-          </a:prstGeom>
-          <a:solidFill>
-            <a:schemeClr val="bg1">
-              <a:lumMod val="85000"/>
-            </a:schemeClr>
-          </a:solidFill>
-          <a:ln>
-            <a:solidFill>
+            </a:fontRef>
+          </p:style>
+        </p:cxnSp>
+        <p:cxnSp>
+          <p:nvCxnSpPr>
+            <p:cNvPr id="27" name="직선 화살표 연결선 26">
+              <a:extLst>
+                <a:ext uri="{FF2B5EF4-FFF2-40B4-BE49-F238E27FC236}">
+                  <a16:creationId xmlns:a16="http://schemas.microsoft.com/office/drawing/2014/main" id="{0BE1F200-7797-724C-9D05-AAD048FE880C}"/>
+                </a:ext>
+              </a:extLst>
+            </p:cNvPr>
+            <p:cNvCxnSpPr/>
+            <p:nvPr/>
+          </p:nvCxnSpPr>
+          <p:spPr>
+            <a:xfrm>
+              <a:off x="2062146" y="2589167"/>
+              <a:ext cx="0" cy="518903"/>
+            </a:xfrm>
+            <a:prstGeom prst="straightConnector1">
+              <a:avLst/>
+            </a:prstGeom>
+            <a:ln>
+              <a:solidFill>
+                <a:schemeClr val="tx1"/>
+              </a:solidFill>
+              <a:tailEnd type="triangle"/>
+            </a:ln>
+          </p:spPr>
+          <p:style>
+            <a:lnRef idx="1">
+              <a:schemeClr val="accent1"/>
+            </a:lnRef>
+            <a:fillRef idx="0">
+              <a:schemeClr val="accent1"/>
+            </a:fillRef>
+            <a:effectRef idx="0">
+              <a:schemeClr val="accent1"/>
+            </a:effectRef>
+            <a:fontRef idx="minor">
               <a:schemeClr val="tx1"/>
-            </a:solidFill>
-          </a:ln>
-        </p:spPr>
-        <p:txBody>
-          <a:bodyPr wrap="square" rtlCol="0">
-            <a:spAutoFit/>
-          </a:bodyPr>
-          <a:lstStyle/>
-          <a:p>
-            <a:r>
-              <a:rPr kumimoji="1" lang="en-US" altLang="ko-Kore-KR" sz="1400" dirty="0"/>
-              <a:t>* </a:t>
-            </a:r>
-            <a:r>
-              <a:rPr lang="ko-Kore-KR" altLang="en-US" sz="1400" dirty="0"/>
-              <a:t>PRO-ACT database </a:t>
-            </a:r>
-            <a:r>
-              <a:rPr lang="en-US" altLang="ko-Kore-KR" sz="1400" dirty="0"/>
-              <a:t>(</a:t>
-            </a:r>
-            <a:r>
-              <a:rPr lang="ko-Kore-KR" altLang="en-US" sz="1400" dirty="0">
-                <a:hlinkClick r:id="rId2"/>
-              </a:rPr>
-              <a:t>https://nctu.partners.org/proact</a:t>
-            </a:r>
-            <a:r>
-              <a:rPr lang="en-US" altLang="ko-Kore-KR" sz="1400" dirty="0"/>
-              <a:t>) </a:t>
-            </a:r>
-            <a:endParaRPr lang="ko-Kore-KR" altLang="en-US" sz="1400" dirty="0"/>
-          </a:p>
-          <a:p>
-            <a:r>
-              <a:rPr lang="ko-Kore-KR" altLang="en-US" sz="1400" dirty="0"/>
-              <a:t>Accessed Sept. 2017 </a:t>
-            </a:r>
-          </a:p>
-          <a:p>
-            <a:r>
-              <a:rPr lang="en-US" altLang="ko-Kore-KR" sz="1400" dirty="0"/>
-              <a:t>C</a:t>
-            </a:r>
-            <a:r>
-              <a:rPr lang="ko-Kore-KR" altLang="en-US" sz="1400" dirty="0"/>
-              <a:t>ontains data of 10,723 patients (including all datasets for training, training2, leaderboard, </a:t>
-            </a:r>
-            <a:r>
-              <a:rPr lang="en-US" altLang="ko-Kore-KR" sz="1400" dirty="0"/>
-              <a:t>and </a:t>
-            </a:r>
-            <a:r>
-              <a:rPr lang="ko-Kore-KR" altLang="en-US" sz="1400" dirty="0"/>
-              <a:t>validation) </a:t>
-            </a:r>
-            <a:endParaRPr kumimoji="1" lang="en-US" altLang="ko-Kore-KR" sz="1400" dirty="0"/>
-          </a:p>
-          <a:p>
-            <a:r>
-              <a:rPr kumimoji="1" lang="en-US" altLang="ko-Kore-KR" sz="1400" dirty="0"/>
-              <a:t>Excluded duplicate records, inconsistent values, and </a:t>
-            </a:r>
-          </a:p>
-          <a:p>
-            <a:r>
-              <a:rPr kumimoji="1" lang="en-US" altLang="ko-Kore-KR" sz="1400" dirty="0" err="1"/>
-              <a:t>errorneous</a:t>
-            </a:r>
-            <a:r>
-              <a:rPr kumimoji="1" lang="en-US" altLang="ko-Kore-KR" sz="1400" dirty="0"/>
-              <a:t> records (</a:t>
-            </a:r>
-            <a:r>
-              <a:rPr kumimoji="1" lang="en-US" altLang="ko-Kore-KR" sz="1400" dirty="0" err="1"/>
-              <a:t>feature_delta</a:t>
-            </a:r>
-            <a:r>
-              <a:rPr kumimoji="1" lang="en-US" altLang="ko-Kore-KR" sz="1400" dirty="0"/>
-              <a:t> &lt; 0)</a:t>
-            </a:r>
-          </a:p>
-        </p:txBody>
-      </p:sp>
-      <p:sp>
-        <p:nvSpPr>
-          <p:cNvPr id="6" name="TextBox 5">
-            <a:extLst>
-              <a:ext uri="{FF2B5EF4-FFF2-40B4-BE49-F238E27FC236}">
-                <a16:creationId xmlns:a16="http://schemas.microsoft.com/office/drawing/2014/main" id="{A41EFC93-9237-9D4A-8393-C2D61847FD15}"/>
-              </a:ext>
-            </a:extLst>
-          </p:cNvPr>
-          <p:cNvSpPr txBox="1"/>
-          <p:nvPr/>
-        </p:nvSpPr>
-        <p:spPr>
-          <a:xfrm>
-            <a:off x="3458085" y="1236736"/>
-            <a:ext cx="4494942" cy="523220"/>
-          </a:xfrm>
-          <a:prstGeom prst="rect">
-            <a:avLst/>
-          </a:prstGeom>
-          <a:noFill/>
-          <a:ln>
-            <a:solidFill>
-              <a:schemeClr val="bg2">
-                <a:lumMod val="50000"/>
+            </a:fontRef>
+          </p:style>
+        </p:cxnSp>
+        <p:cxnSp>
+          <p:nvCxnSpPr>
+            <p:cNvPr id="28" name="직선 화살표 연결선 27">
+              <a:extLst>
+                <a:ext uri="{FF2B5EF4-FFF2-40B4-BE49-F238E27FC236}">
+                  <a16:creationId xmlns:a16="http://schemas.microsoft.com/office/drawing/2014/main" id="{E49BB31D-5A90-2843-9351-68A226BC79E4}"/>
+                </a:ext>
+              </a:extLst>
+            </p:cNvPr>
+            <p:cNvCxnSpPr/>
+            <p:nvPr/>
+          </p:nvCxnSpPr>
+          <p:spPr>
+            <a:xfrm>
+              <a:off x="2079745" y="3924499"/>
+              <a:ext cx="0" cy="518903"/>
+            </a:xfrm>
+            <a:prstGeom prst="straightConnector1">
+              <a:avLst/>
+            </a:prstGeom>
+            <a:ln>
+              <a:solidFill>
+                <a:schemeClr val="tx1"/>
+              </a:solidFill>
+              <a:tailEnd type="triangle"/>
+            </a:ln>
+          </p:spPr>
+          <p:style>
+            <a:lnRef idx="1">
+              <a:schemeClr val="accent1"/>
+            </a:lnRef>
+            <a:fillRef idx="0">
+              <a:schemeClr val="accent1"/>
+            </a:fillRef>
+            <a:effectRef idx="0">
+              <a:schemeClr val="accent1"/>
+            </a:effectRef>
+            <a:fontRef idx="minor">
+              <a:schemeClr val="tx1"/>
+            </a:fontRef>
+          </p:style>
+        </p:cxnSp>
+        <p:cxnSp>
+          <p:nvCxnSpPr>
+            <p:cNvPr id="30" name="직선 화살표 연결선 29">
+              <a:extLst>
+                <a:ext uri="{FF2B5EF4-FFF2-40B4-BE49-F238E27FC236}">
+                  <a16:creationId xmlns:a16="http://schemas.microsoft.com/office/drawing/2014/main" id="{F8E34BF0-B617-2F44-ABC9-A03E1F3AF73F}"/>
+                </a:ext>
+              </a:extLst>
+            </p:cNvPr>
+            <p:cNvCxnSpPr>
+              <a:cxnSpLocks/>
+            </p:cNvCxnSpPr>
+            <p:nvPr/>
+          </p:nvCxnSpPr>
+          <p:spPr>
+            <a:xfrm flipV="1">
+              <a:off x="2079745" y="1515206"/>
+              <a:ext cx="1225913" cy="13185"/>
+            </a:xfrm>
+            <a:prstGeom prst="straightConnector1">
+              <a:avLst/>
+            </a:prstGeom>
+            <a:ln>
+              <a:solidFill>
+                <a:schemeClr val="tx1"/>
+              </a:solidFill>
+              <a:tailEnd type="triangle"/>
+            </a:ln>
+          </p:spPr>
+          <p:style>
+            <a:lnRef idx="1">
+              <a:schemeClr val="accent1"/>
+            </a:lnRef>
+            <a:fillRef idx="0">
+              <a:schemeClr val="accent1"/>
+            </a:fillRef>
+            <a:effectRef idx="0">
+              <a:schemeClr val="accent1"/>
+            </a:effectRef>
+            <a:fontRef idx="minor">
+              <a:schemeClr val="tx1"/>
+            </a:fontRef>
+          </p:style>
+        </p:cxnSp>
+        <p:cxnSp>
+          <p:nvCxnSpPr>
+            <p:cNvPr id="35" name="직선 화살표 연결선 34">
+              <a:extLst>
+                <a:ext uri="{FF2B5EF4-FFF2-40B4-BE49-F238E27FC236}">
+                  <a16:creationId xmlns:a16="http://schemas.microsoft.com/office/drawing/2014/main" id="{34F1CC12-9CF4-0A4B-8B64-AB8EF464A2AE}"/>
+                </a:ext>
+              </a:extLst>
+            </p:cNvPr>
+            <p:cNvCxnSpPr>
+              <a:cxnSpLocks/>
+            </p:cNvCxnSpPr>
+            <p:nvPr/>
+          </p:nvCxnSpPr>
+          <p:spPr>
+            <a:xfrm flipV="1">
+              <a:off x="2062146" y="2848618"/>
+              <a:ext cx="1225913" cy="13185"/>
+            </a:xfrm>
+            <a:prstGeom prst="straightConnector1">
+              <a:avLst/>
+            </a:prstGeom>
+            <a:ln>
+              <a:solidFill>
+                <a:schemeClr val="tx1"/>
+              </a:solidFill>
+              <a:tailEnd type="triangle"/>
+            </a:ln>
+          </p:spPr>
+          <p:style>
+            <a:lnRef idx="1">
+              <a:schemeClr val="accent1"/>
+            </a:lnRef>
+            <a:fillRef idx="0">
+              <a:schemeClr val="accent1"/>
+            </a:fillRef>
+            <a:effectRef idx="0">
+              <a:schemeClr val="accent1"/>
+            </a:effectRef>
+            <a:fontRef idx="minor">
+              <a:schemeClr val="tx1"/>
+            </a:fontRef>
+          </p:style>
+        </p:cxnSp>
+        <p:cxnSp>
+          <p:nvCxnSpPr>
+            <p:cNvPr id="36" name="직선 화살표 연결선 35">
+              <a:extLst>
+                <a:ext uri="{FF2B5EF4-FFF2-40B4-BE49-F238E27FC236}">
+                  <a16:creationId xmlns:a16="http://schemas.microsoft.com/office/drawing/2014/main" id="{B0D611B6-9A94-DD44-B0C8-FC32A66BF816}"/>
+                </a:ext>
+              </a:extLst>
+            </p:cNvPr>
+            <p:cNvCxnSpPr>
+              <a:cxnSpLocks/>
+            </p:cNvCxnSpPr>
+            <p:nvPr/>
+          </p:nvCxnSpPr>
+          <p:spPr>
+            <a:xfrm flipV="1">
+              <a:off x="2079745" y="4183141"/>
+              <a:ext cx="1225913" cy="13185"/>
+            </a:xfrm>
+            <a:prstGeom prst="straightConnector1">
+              <a:avLst/>
+            </a:prstGeom>
+            <a:ln>
+              <a:solidFill>
+                <a:schemeClr val="tx1"/>
+              </a:solidFill>
+              <a:tailEnd type="triangle"/>
+            </a:ln>
+          </p:spPr>
+          <p:style>
+            <a:lnRef idx="1">
+              <a:schemeClr val="accent1"/>
+            </a:lnRef>
+            <a:fillRef idx="0">
+              <a:schemeClr val="accent1"/>
+            </a:fillRef>
+            <a:effectRef idx="0">
+              <a:schemeClr val="accent1"/>
+            </a:effectRef>
+            <a:fontRef idx="minor">
+              <a:schemeClr val="tx1"/>
+            </a:fontRef>
+          </p:style>
+        </p:cxnSp>
+        <p:sp>
+          <p:nvSpPr>
+            <p:cNvPr id="25" name="TextBox 24">
+              <a:extLst>
+                <a:ext uri="{FF2B5EF4-FFF2-40B4-BE49-F238E27FC236}">
+                  <a16:creationId xmlns:a16="http://schemas.microsoft.com/office/drawing/2014/main" id="{A4238A1D-DC4B-9145-9A04-39E4CA84F9F3}"/>
+                </a:ext>
+              </a:extLst>
+            </p:cNvPr>
+            <p:cNvSpPr txBox="1"/>
+            <p:nvPr/>
+          </p:nvSpPr>
+          <p:spPr>
+            <a:xfrm>
+              <a:off x="3394953" y="5252026"/>
+              <a:ext cx="4494947" cy="523220"/>
+            </a:xfrm>
+            <a:prstGeom prst="rect">
+              <a:avLst/>
+            </a:prstGeom>
+            <a:noFill/>
+            <a:ln>
+              <a:solidFill>
+                <a:schemeClr val="bg2">
+                  <a:lumMod val="50000"/>
+                </a:schemeClr>
+              </a:solidFill>
+            </a:ln>
+          </p:spPr>
+          <p:txBody>
+            <a:bodyPr wrap="square" rtlCol="0">
+              <a:spAutoFit/>
+            </a:bodyPr>
+            <a:lstStyle/>
+            <a:p>
+              <a:r>
+                <a:rPr kumimoji="1" lang="en-US" altLang="ko-Kore-KR" sz="1400" dirty="0"/>
+                <a:t>Event or censoring occurred within 3 months after enrollment (n=388)</a:t>
+              </a:r>
+            </a:p>
+          </p:txBody>
+        </p:sp>
+        <p:sp>
+          <p:nvSpPr>
+            <p:cNvPr id="29" name="직사각형 28">
+              <a:extLst>
+                <a:ext uri="{FF2B5EF4-FFF2-40B4-BE49-F238E27FC236}">
+                  <a16:creationId xmlns:a16="http://schemas.microsoft.com/office/drawing/2014/main" id="{74878A4A-FBB1-194B-897B-86F16BB8E1C5}"/>
+                </a:ext>
+              </a:extLst>
+            </p:cNvPr>
+            <p:cNvSpPr/>
+            <p:nvPr/>
+          </p:nvSpPr>
+          <p:spPr>
+            <a:xfrm>
+              <a:off x="1193992" y="5820085"/>
+              <a:ext cx="1755724" cy="783771"/>
+            </a:xfrm>
+            <a:prstGeom prst="rect">
+              <a:avLst/>
+            </a:prstGeom>
+            <a:noFill/>
+            <a:ln>
+              <a:solidFill>
+                <a:schemeClr val="tx1"/>
+              </a:solidFill>
+            </a:ln>
+          </p:spPr>
+          <p:style>
+            <a:lnRef idx="2">
+              <a:schemeClr val="accent1">
+                <a:shade val="50000"/>
               </a:schemeClr>
-            </a:solidFill>
-          </a:ln>
-        </p:spPr>
-        <p:txBody>
-          <a:bodyPr wrap="square" rtlCol="0">
-            <a:spAutoFit/>
-          </a:bodyPr>
-          <a:lstStyle/>
-          <a:p>
-            <a:r>
-              <a:rPr kumimoji="1" lang="en-US" altLang="ko-Kore-KR" sz="1400" dirty="0"/>
-              <a:t>either none (n=2,070) or incomplete (n=7) demographic data (age, gender, race)</a:t>
-            </a:r>
-          </a:p>
-        </p:txBody>
-      </p:sp>
-      <p:sp>
-        <p:nvSpPr>
-          <p:cNvPr id="9" name="TextBox 8">
-            <a:extLst>
-              <a:ext uri="{FF2B5EF4-FFF2-40B4-BE49-F238E27FC236}">
-                <a16:creationId xmlns:a16="http://schemas.microsoft.com/office/drawing/2014/main" id="{FE62E119-FE33-4E43-BA8E-159E6100F0B2}"/>
-              </a:ext>
-            </a:extLst>
-          </p:cNvPr>
-          <p:cNvSpPr txBox="1"/>
-          <p:nvPr/>
-        </p:nvSpPr>
-        <p:spPr>
-          <a:xfrm>
-            <a:off x="1407366" y="1861822"/>
-            <a:ext cx="1457771" cy="584775"/>
-          </a:xfrm>
-          <a:prstGeom prst="rect">
-            <a:avLst/>
-          </a:prstGeom>
-          <a:noFill/>
-        </p:spPr>
-        <p:txBody>
-          <a:bodyPr wrap="none" rtlCol="0">
-            <a:spAutoFit/>
-          </a:bodyPr>
-          <a:lstStyle/>
-          <a:p>
-            <a:pPr algn="ctr"/>
-            <a:r>
-              <a:rPr kumimoji="1" lang="en-US" altLang="ko-Kore-KR" sz="1600" dirty="0"/>
-              <a:t>Filtered data (I)</a:t>
-            </a:r>
-          </a:p>
-          <a:p>
-            <a:pPr algn="ctr"/>
-            <a:r>
-              <a:rPr kumimoji="1" lang="en-US" altLang="ko-Kore-KR" sz="1600" dirty="0"/>
-              <a:t>(n=8,646)</a:t>
-            </a:r>
-            <a:endParaRPr kumimoji="1" lang="ko-Kore-KR" altLang="en-US" sz="1600" dirty="0"/>
-          </a:p>
-        </p:txBody>
-      </p:sp>
-      <p:sp>
-        <p:nvSpPr>
-          <p:cNvPr id="12" name="TextBox 11">
-            <a:extLst>
-              <a:ext uri="{FF2B5EF4-FFF2-40B4-BE49-F238E27FC236}">
-                <a16:creationId xmlns:a16="http://schemas.microsoft.com/office/drawing/2014/main" id="{773401D9-1BCC-BB43-A08A-4F0D5A221097}"/>
-              </a:ext>
-            </a:extLst>
-          </p:cNvPr>
-          <p:cNvSpPr txBox="1"/>
-          <p:nvPr/>
-        </p:nvSpPr>
-        <p:spPr>
-          <a:xfrm>
-            <a:off x="1392605" y="3196134"/>
-            <a:ext cx="1509067" cy="584775"/>
-          </a:xfrm>
-          <a:prstGeom prst="rect">
-            <a:avLst/>
-          </a:prstGeom>
-          <a:noFill/>
-        </p:spPr>
-        <p:txBody>
-          <a:bodyPr wrap="none" rtlCol="0">
-            <a:spAutoFit/>
-          </a:bodyPr>
-          <a:lstStyle/>
-          <a:p>
-            <a:pPr algn="ctr"/>
-            <a:r>
-              <a:rPr kumimoji="1" lang="en-US" altLang="ko-Kore-KR" sz="1600" dirty="0"/>
-              <a:t>Filtered data (II)</a:t>
-            </a:r>
-          </a:p>
-          <a:p>
-            <a:pPr algn="ctr"/>
-            <a:r>
-              <a:rPr kumimoji="1" lang="en-US" altLang="ko-Kore-KR" sz="1600" dirty="0"/>
-              <a:t>(n=4,442)</a:t>
-            </a:r>
-            <a:endParaRPr kumimoji="1" lang="ko-Kore-KR" altLang="en-US" sz="1600" dirty="0"/>
-          </a:p>
-        </p:txBody>
-      </p:sp>
-      <p:sp>
-        <p:nvSpPr>
-          <p:cNvPr id="17" name="TextBox 16">
-            <a:extLst>
-              <a:ext uri="{FF2B5EF4-FFF2-40B4-BE49-F238E27FC236}">
-                <a16:creationId xmlns:a16="http://schemas.microsoft.com/office/drawing/2014/main" id="{E5091518-C69A-DC40-BCB2-56B0977B3E96}"/>
-              </a:ext>
-            </a:extLst>
-          </p:cNvPr>
-          <p:cNvSpPr txBox="1"/>
-          <p:nvPr/>
-        </p:nvSpPr>
-        <p:spPr>
-          <a:xfrm>
-            <a:off x="3458079" y="2351542"/>
-            <a:ext cx="4494948" cy="954107"/>
-          </a:xfrm>
-          <a:prstGeom prst="rect">
-            <a:avLst/>
-          </a:prstGeom>
-          <a:noFill/>
-          <a:ln>
-            <a:solidFill>
-              <a:schemeClr val="bg2">
-                <a:lumMod val="50000"/>
-              </a:schemeClr>
-            </a:solidFill>
-          </a:ln>
-        </p:spPr>
-        <p:txBody>
-          <a:bodyPr wrap="square" rtlCol="0">
-            <a:spAutoFit/>
-          </a:bodyPr>
-          <a:lstStyle/>
-          <a:p>
-            <a:r>
-              <a:rPr kumimoji="1" lang="en-US" altLang="ko-Kore-KR" sz="1400" dirty="0"/>
-              <a:t>either none (n=1,419) or incomplete (n=2,770) ALSHX data </a:t>
-            </a:r>
-          </a:p>
-          <a:p>
-            <a:r>
-              <a:rPr kumimoji="1" lang="en-US" altLang="ko-Kore-KR" sz="1400" dirty="0"/>
-              <a:t>(</a:t>
-            </a:r>
-            <a:r>
-              <a:rPr kumimoji="1" lang="en-US" altLang="ko-Kore-KR" sz="1400" dirty="0" err="1"/>
-              <a:t>diag_delta</a:t>
-            </a:r>
-            <a:r>
-              <a:rPr kumimoji="1" lang="en-US" altLang="ko-Kore-KR" sz="1400" dirty="0"/>
-              <a:t>, </a:t>
-            </a:r>
-            <a:r>
-              <a:rPr kumimoji="1" lang="en-US" altLang="ko-Kore-KR" sz="1400" dirty="0" err="1"/>
-              <a:t>onset_delta</a:t>
-            </a:r>
-            <a:r>
-              <a:rPr kumimoji="1" lang="en-US" altLang="ko-Kore-KR" sz="1400" dirty="0"/>
-              <a:t>, </a:t>
-            </a:r>
-            <a:r>
-              <a:rPr kumimoji="1" lang="en-US" altLang="ko-Kore-KR" sz="1400" dirty="0" err="1"/>
-              <a:t>onset_site</a:t>
-            </a:r>
-            <a:r>
-              <a:rPr kumimoji="1" lang="en-US" altLang="ko-Kore-KR" sz="1400" dirty="0"/>
-              <a:t>)</a:t>
-            </a:r>
-          </a:p>
-          <a:p>
-            <a:r>
-              <a:rPr kumimoji="1" lang="en-US" altLang="ko-Kore-KR" sz="1400" dirty="0" err="1"/>
-              <a:t>errorneous</a:t>
-            </a:r>
-            <a:r>
-              <a:rPr kumimoji="1" lang="en-US" altLang="ko-Kore-KR" sz="1400" dirty="0"/>
-              <a:t> values (n=15) (</a:t>
-            </a:r>
-            <a:r>
-              <a:rPr kumimoji="1" lang="en-US" altLang="ko-Kore-KR" sz="1400" dirty="0" err="1"/>
-              <a:t>diag_delta</a:t>
-            </a:r>
-            <a:r>
-              <a:rPr kumimoji="1" lang="en-US" altLang="ko-Kore-KR" sz="1400" dirty="0"/>
-              <a:t> &gt; 0, </a:t>
-            </a:r>
-            <a:r>
-              <a:rPr kumimoji="1" lang="en-US" altLang="ko-Kore-KR" sz="1400" dirty="0" err="1"/>
-              <a:t>onset_delta</a:t>
-            </a:r>
-            <a:r>
-              <a:rPr kumimoji="1" lang="en-US" altLang="ko-Kore-KR" sz="1400" dirty="0"/>
-              <a:t> &gt; 0, </a:t>
-            </a:r>
-          </a:p>
-          <a:p>
-            <a:r>
-              <a:rPr kumimoji="1" lang="en-US" altLang="ko-Kore-KR" sz="1400" dirty="0" err="1"/>
-              <a:t>diag_delta</a:t>
-            </a:r>
-            <a:r>
-              <a:rPr kumimoji="1" lang="en-US" altLang="ko-Kore-KR" sz="1400" dirty="0"/>
-              <a:t> &lt; </a:t>
-            </a:r>
-            <a:r>
-              <a:rPr kumimoji="1" lang="en-US" altLang="ko-Kore-KR" sz="1400" dirty="0" err="1"/>
-              <a:t>onset_delta</a:t>
-            </a:r>
-            <a:r>
-              <a:rPr kumimoji="1" lang="en-US" altLang="ko-Kore-KR" sz="1400" dirty="0"/>
-              <a:t>)</a:t>
-            </a:r>
-          </a:p>
-        </p:txBody>
-      </p:sp>
-      <p:sp>
-        <p:nvSpPr>
-          <p:cNvPr id="19" name="TextBox 18">
-            <a:extLst>
-              <a:ext uri="{FF2B5EF4-FFF2-40B4-BE49-F238E27FC236}">
-                <a16:creationId xmlns:a16="http://schemas.microsoft.com/office/drawing/2014/main" id="{E54B1CE6-0BFC-4F46-8D84-7324666C96A4}"/>
-              </a:ext>
-            </a:extLst>
-          </p:cNvPr>
-          <p:cNvSpPr txBox="1"/>
-          <p:nvPr/>
-        </p:nvSpPr>
-        <p:spPr>
-          <a:xfrm>
-            <a:off x="3458085" y="3886975"/>
-            <a:ext cx="4494947" cy="523220"/>
-          </a:xfrm>
-          <a:prstGeom prst="rect">
-            <a:avLst/>
-          </a:prstGeom>
-          <a:noFill/>
-          <a:ln>
-            <a:solidFill>
-              <a:schemeClr val="bg2">
-                <a:lumMod val="50000"/>
-              </a:schemeClr>
-            </a:solidFill>
-          </a:ln>
-        </p:spPr>
-        <p:txBody>
-          <a:bodyPr wrap="square" rtlCol="0">
-            <a:spAutoFit/>
-          </a:bodyPr>
-          <a:lstStyle/>
-          <a:p>
-            <a:r>
-              <a:rPr kumimoji="1" lang="en-US" altLang="ko-Kore-KR" sz="1400" dirty="0"/>
-              <a:t>either none or incomplete ALSFRS revised scores data</a:t>
-            </a:r>
-          </a:p>
-          <a:p>
-            <a:r>
-              <a:rPr kumimoji="1" lang="en-US" altLang="ko-Kore-KR" sz="1400" dirty="0" err="1"/>
-              <a:t>errorneous</a:t>
-            </a:r>
-            <a:r>
-              <a:rPr kumimoji="1" lang="en-US" altLang="ko-Kore-KR" sz="1400" dirty="0"/>
-              <a:t> records (both Q5a and Q5b filled-in) (n=1,383)</a:t>
-            </a:r>
-          </a:p>
-        </p:txBody>
-      </p:sp>
-      <p:sp>
-        <p:nvSpPr>
-          <p:cNvPr id="20" name="TextBox 19">
-            <a:extLst>
-              <a:ext uri="{FF2B5EF4-FFF2-40B4-BE49-F238E27FC236}">
-                <a16:creationId xmlns:a16="http://schemas.microsoft.com/office/drawing/2014/main" id="{B0C1FF97-B78B-8A47-AF79-972A8AAEFA81}"/>
-              </a:ext>
-            </a:extLst>
-          </p:cNvPr>
-          <p:cNvSpPr txBox="1"/>
-          <p:nvPr/>
-        </p:nvSpPr>
-        <p:spPr>
-          <a:xfrm>
-            <a:off x="1356068" y="4552218"/>
-            <a:ext cx="1560364" cy="584775"/>
-          </a:xfrm>
-          <a:prstGeom prst="rect">
-            <a:avLst/>
-          </a:prstGeom>
-          <a:noFill/>
-        </p:spPr>
-        <p:txBody>
-          <a:bodyPr wrap="none" rtlCol="0">
-            <a:spAutoFit/>
-          </a:bodyPr>
-          <a:lstStyle/>
-          <a:p>
-            <a:pPr algn="ctr"/>
-            <a:r>
-              <a:rPr kumimoji="1" lang="en-US" altLang="ko-Kore-KR" sz="1600" dirty="0"/>
-              <a:t>Filtered data (III)</a:t>
-            </a:r>
-          </a:p>
-          <a:p>
-            <a:pPr algn="ctr"/>
-            <a:r>
-              <a:rPr kumimoji="1" lang="en-US" altLang="ko-Kore-KR" sz="1600" dirty="0"/>
-              <a:t>(n=3,059)</a:t>
-            </a:r>
-            <a:endParaRPr kumimoji="1" lang="ko-Kore-KR" altLang="en-US" sz="1600" dirty="0"/>
-          </a:p>
-        </p:txBody>
-      </p:sp>
-      <p:sp>
-        <p:nvSpPr>
-          <p:cNvPr id="22" name="직사각형 21">
-            <a:extLst>
-              <a:ext uri="{FF2B5EF4-FFF2-40B4-BE49-F238E27FC236}">
-                <a16:creationId xmlns:a16="http://schemas.microsoft.com/office/drawing/2014/main" id="{2FC17E64-B69C-3F46-8F83-4C672AC6D7F8}"/>
-              </a:ext>
-            </a:extLst>
-          </p:cNvPr>
-          <p:cNvSpPr/>
-          <p:nvPr/>
-        </p:nvSpPr>
-        <p:spPr>
-          <a:xfrm>
-            <a:off x="1247505" y="1760008"/>
-            <a:ext cx="1755724" cy="783771"/>
-          </a:xfrm>
-          <a:prstGeom prst="rect">
-            <a:avLst/>
-          </a:prstGeom>
-          <a:noFill/>
-          <a:ln>
-            <a:solidFill>
+            </a:lnRef>
+            <a:fillRef idx="1">
+              <a:schemeClr val="accent1"/>
+            </a:fillRef>
+            <a:effectRef idx="0">
+              <a:schemeClr val="accent1"/>
+            </a:effectRef>
+            <a:fontRef idx="minor">
+              <a:schemeClr val="lt1"/>
+            </a:fontRef>
+          </p:style>
+          <p:txBody>
+            <a:bodyPr rtlCol="0" anchor="ctr"/>
+            <a:lstStyle/>
+            <a:p>
+              <a:pPr algn="ctr"/>
+              <a:endParaRPr kumimoji="1" lang="ko-Kore-KR" altLang="en-US"/>
+            </a:p>
+          </p:txBody>
+        </p:sp>
+        <p:cxnSp>
+          <p:nvCxnSpPr>
+            <p:cNvPr id="31" name="직선 화살표 연결선 30">
+              <a:extLst>
+                <a:ext uri="{FF2B5EF4-FFF2-40B4-BE49-F238E27FC236}">
+                  <a16:creationId xmlns:a16="http://schemas.microsoft.com/office/drawing/2014/main" id="{60840D94-5461-474B-B62E-87279E8DE29B}"/>
+                </a:ext>
+              </a:extLst>
+            </p:cNvPr>
+            <p:cNvCxnSpPr/>
+            <p:nvPr/>
+          </p:nvCxnSpPr>
+          <p:spPr>
+            <a:xfrm>
+              <a:off x="2073121" y="5256343"/>
+              <a:ext cx="0" cy="518903"/>
+            </a:xfrm>
+            <a:prstGeom prst="straightConnector1">
+              <a:avLst/>
+            </a:prstGeom>
+            <a:ln>
+              <a:solidFill>
+                <a:schemeClr val="tx1"/>
+              </a:solidFill>
+              <a:tailEnd type="triangle"/>
+            </a:ln>
+          </p:spPr>
+          <p:style>
+            <a:lnRef idx="1">
+              <a:schemeClr val="accent1"/>
+            </a:lnRef>
+            <a:fillRef idx="0">
+              <a:schemeClr val="accent1"/>
+            </a:fillRef>
+            <a:effectRef idx="0">
+              <a:schemeClr val="accent1"/>
+            </a:effectRef>
+            <a:fontRef idx="minor">
               <a:schemeClr val="tx1"/>
-            </a:solidFill>
-          </a:ln>
-        </p:spPr>
-        <p:style>
-          <a:lnRef idx="2">
-            <a:schemeClr val="accent1">
-              <a:shade val="50000"/>
-            </a:schemeClr>
-          </a:lnRef>
-          <a:fillRef idx="1">
-            <a:schemeClr val="accent1"/>
-          </a:fillRef>
-          <a:effectRef idx="0">
-            <a:schemeClr val="accent1"/>
-          </a:effectRef>
-          <a:fontRef idx="minor">
-            <a:schemeClr val="lt1"/>
-          </a:fontRef>
-        </p:style>
-        <p:txBody>
-          <a:bodyPr rtlCol="0" anchor="ctr"/>
-          <a:lstStyle/>
-          <a:p>
-            <a:pPr algn="ctr"/>
-            <a:endParaRPr kumimoji="1" lang="ko-Kore-KR" altLang="en-US"/>
-          </a:p>
-        </p:txBody>
-      </p:sp>
-      <p:sp>
-        <p:nvSpPr>
-          <p:cNvPr id="23" name="직사각형 22">
-            <a:extLst>
-              <a:ext uri="{FF2B5EF4-FFF2-40B4-BE49-F238E27FC236}">
-                <a16:creationId xmlns:a16="http://schemas.microsoft.com/office/drawing/2014/main" id="{7B3B9C10-ABA3-574D-A20F-915D151BA689}"/>
-              </a:ext>
-            </a:extLst>
-          </p:cNvPr>
-          <p:cNvSpPr/>
-          <p:nvPr/>
-        </p:nvSpPr>
-        <p:spPr>
-          <a:xfrm>
-            <a:off x="1246238" y="3107521"/>
-            <a:ext cx="1755724" cy="783771"/>
-          </a:xfrm>
-          <a:prstGeom prst="rect">
-            <a:avLst/>
-          </a:prstGeom>
-          <a:noFill/>
-          <a:ln>
-            <a:solidFill>
+            </a:fontRef>
+          </p:style>
+        </p:cxnSp>
+        <p:cxnSp>
+          <p:nvCxnSpPr>
+            <p:cNvPr id="32" name="직선 화살표 연결선 31">
+              <a:extLst>
+                <a:ext uri="{FF2B5EF4-FFF2-40B4-BE49-F238E27FC236}">
+                  <a16:creationId xmlns:a16="http://schemas.microsoft.com/office/drawing/2014/main" id="{1E360ADB-C75D-5F48-AE76-E55930D80905}"/>
+                </a:ext>
+              </a:extLst>
+            </p:cNvPr>
+            <p:cNvCxnSpPr>
+              <a:cxnSpLocks/>
+            </p:cNvCxnSpPr>
+            <p:nvPr/>
+          </p:nvCxnSpPr>
+          <p:spPr>
+            <a:xfrm flipV="1">
+              <a:off x="2073121" y="5514985"/>
+              <a:ext cx="1225913" cy="13185"/>
+            </a:xfrm>
+            <a:prstGeom prst="straightConnector1">
+              <a:avLst/>
+            </a:prstGeom>
+            <a:ln>
+              <a:solidFill>
+                <a:schemeClr val="tx1"/>
+              </a:solidFill>
+              <a:tailEnd type="triangle"/>
+            </a:ln>
+          </p:spPr>
+          <p:style>
+            <a:lnRef idx="1">
+              <a:schemeClr val="accent1"/>
+            </a:lnRef>
+            <a:fillRef idx="0">
+              <a:schemeClr val="accent1"/>
+            </a:fillRef>
+            <a:effectRef idx="0">
+              <a:schemeClr val="accent1"/>
+            </a:effectRef>
+            <a:fontRef idx="minor">
               <a:schemeClr val="tx1"/>
-            </a:solidFill>
-          </a:ln>
-        </p:spPr>
-        <p:style>
-          <a:lnRef idx="2">
-            <a:schemeClr val="accent1">
-              <a:shade val="50000"/>
-            </a:schemeClr>
-          </a:lnRef>
-          <a:fillRef idx="1">
-            <a:schemeClr val="accent1"/>
-          </a:fillRef>
-          <a:effectRef idx="0">
-            <a:schemeClr val="accent1"/>
-          </a:effectRef>
-          <a:fontRef idx="minor">
-            <a:schemeClr val="lt1"/>
-          </a:fontRef>
-        </p:style>
-        <p:txBody>
-          <a:bodyPr rtlCol="0" anchor="ctr"/>
-          <a:lstStyle/>
-          <a:p>
-            <a:pPr algn="ctr"/>
-            <a:endParaRPr kumimoji="1" lang="ko-Kore-KR" altLang="en-US"/>
-          </a:p>
-        </p:txBody>
-      </p:sp>
-      <p:sp>
-        <p:nvSpPr>
-          <p:cNvPr id="24" name="직사각형 23">
-            <a:extLst>
-              <a:ext uri="{FF2B5EF4-FFF2-40B4-BE49-F238E27FC236}">
-                <a16:creationId xmlns:a16="http://schemas.microsoft.com/office/drawing/2014/main" id="{E5F9B5C0-986C-7046-AC5B-75267FFC905D}"/>
-              </a:ext>
-            </a:extLst>
-          </p:cNvPr>
-          <p:cNvSpPr/>
-          <p:nvPr/>
-        </p:nvSpPr>
-        <p:spPr>
-          <a:xfrm>
-            <a:off x="1257124" y="4455034"/>
-            <a:ext cx="1755724" cy="783771"/>
-          </a:xfrm>
-          <a:prstGeom prst="rect">
-            <a:avLst/>
-          </a:prstGeom>
-          <a:noFill/>
-          <a:ln>
-            <a:solidFill>
-              <a:schemeClr val="tx1"/>
-            </a:solidFill>
-          </a:ln>
-        </p:spPr>
-        <p:style>
-          <a:lnRef idx="2">
-            <a:schemeClr val="accent1">
-              <a:shade val="50000"/>
-            </a:schemeClr>
-          </a:lnRef>
-          <a:fillRef idx="1">
-            <a:schemeClr val="accent1"/>
-          </a:fillRef>
-          <a:effectRef idx="0">
-            <a:schemeClr val="accent1"/>
-          </a:effectRef>
-          <a:fontRef idx="minor">
-            <a:schemeClr val="lt1"/>
-          </a:fontRef>
-        </p:style>
-        <p:txBody>
-          <a:bodyPr rtlCol="0" anchor="ctr"/>
-          <a:lstStyle/>
-          <a:p>
-            <a:pPr algn="ctr"/>
-            <a:endParaRPr kumimoji="1" lang="ko-Kore-KR" altLang="en-US"/>
-          </a:p>
-        </p:txBody>
-      </p:sp>
-      <p:cxnSp>
-        <p:nvCxnSpPr>
-          <p:cNvPr id="26" name="직선 화살표 연결선 25">
-            <a:extLst>
-              <a:ext uri="{FF2B5EF4-FFF2-40B4-BE49-F238E27FC236}">
-                <a16:creationId xmlns:a16="http://schemas.microsoft.com/office/drawing/2014/main" id="{3CD50DE2-FCF4-1044-A745-62CABD412B70}"/>
-              </a:ext>
-            </a:extLst>
-          </p:cNvPr>
-          <p:cNvCxnSpPr>
-            <a:cxnSpLocks/>
-          </p:cNvCxnSpPr>
-          <p:nvPr/>
-        </p:nvCxnSpPr>
-        <p:spPr>
-          <a:xfrm>
-            <a:off x="2136253" y="1241105"/>
-            <a:ext cx="0" cy="518903"/>
-          </a:xfrm>
-          <a:prstGeom prst="straightConnector1">
-            <a:avLst/>
-          </a:prstGeom>
-          <a:ln>
-            <a:solidFill>
-              <a:schemeClr val="tx1"/>
-            </a:solidFill>
-            <a:tailEnd type="triangle"/>
-          </a:ln>
-        </p:spPr>
-        <p:style>
-          <a:lnRef idx="1">
-            <a:schemeClr val="accent1"/>
-          </a:lnRef>
-          <a:fillRef idx="0">
-            <a:schemeClr val="accent1"/>
-          </a:fillRef>
-          <a:effectRef idx="0">
-            <a:schemeClr val="accent1"/>
-          </a:effectRef>
-          <a:fontRef idx="minor">
-            <a:schemeClr val="tx1"/>
-          </a:fontRef>
-        </p:style>
-      </p:cxnSp>
-      <p:cxnSp>
-        <p:nvCxnSpPr>
-          <p:cNvPr id="27" name="직선 화살표 연결선 26">
-            <a:extLst>
-              <a:ext uri="{FF2B5EF4-FFF2-40B4-BE49-F238E27FC236}">
-                <a16:creationId xmlns:a16="http://schemas.microsoft.com/office/drawing/2014/main" id="{0BE1F200-7797-724C-9D05-AAD048FE880C}"/>
-              </a:ext>
-            </a:extLst>
-          </p:cNvPr>
-          <p:cNvCxnSpPr/>
-          <p:nvPr/>
-        </p:nvCxnSpPr>
-        <p:spPr>
-          <a:xfrm>
-            <a:off x="2118654" y="2555960"/>
-            <a:ext cx="0" cy="518903"/>
-          </a:xfrm>
-          <a:prstGeom prst="straightConnector1">
-            <a:avLst/>
-          </a:prstGeom>
-          <a:ln>
-            <a:solidFill>
-              <a:schemeClr val="tx1"/>
-            </a:solidFill>
-            <a:tailEnd type="triangle"/>
-          </a:ln>
-        </p:spPr>
-        <p:style>
-          <a:lnRef idx="1">
-            <a:schemeClr val="accent1"/>
-          </a:lnRef>
-          <a:fillRef idx="0">
-            <a:schemeClr val="accent1"/>
-          </a:fillRef>
-          <a:effectRef idx="0">
-            <a:schemeClr val="accent1"/>
-          </a:effectRef>
-          <a:fontRef idx="minor">
-            <a:schemeClr val="tx1"/>
-          </a:fontRef>
-        </p:style>
-      </p:cxnSp>
-      <p:cxnSp>
-        <p:nvCxnSpPr>
-          <p:cNvPr id="28" name="직선 화살표 연결선 27">
-            <a:extLst>
-              <a:ext uri="{FF2B5EF4-FFF2-40B4-BE49-F238E27FC236}">
-                <a16:creationId xmlns:a16="http://schemas.microsoft.com/office/drawing/2014/main" id="{E49BB31D-5A90-2843-9351-68A226BC79E4}"/>
-              </a:ext>
-            </a:extLst>
-          </p:cNvPr>
-          <p:cNvCxnSpPr/>
-          <p:nvPr/>
-        </p:nvCxnSpPr>
-        <p:spPr>
-          <a:xfrm>
-            <a:off x="2136253" y="3891292"/>
-            <a:ext cx="0" cy="518903"/>
-          </a:xfrm>
-          <a:prstGeom prst="straightConnector1">
-            <a:avLst/>
-          </a:prstGeom>
-          <a:ln>
-            <a:solidFill>
-              <a:schemeClr val="tx1"/>
-            </a:solidFill>
-            <a:tailEnd type="triangle"/>
-          </a:ln>
-        </p:spPr>
-        <p:style>
-          <a:lnRef idx="1">
-            <a:schemeClr val="accent1"/>
-          </a:lnRef>
-          <a:fillRef idx="0">
-            <a:schemeClr val="accent1"/>
-          </a:fillRef>
-          <a:effectRef idx="0">
-            <a:schemeClr val="accent1"/>
-          </a:effectRef>
-          <a:fontRef idx="minor">
-            <a:schemeClr val="tx1"/>
-          </a:fontRef>
-        </p:style>
-      </p:cxnSp>
-      <p:cxnSp>
-        <p:nvCxnSpPr>
-          <p:cNvPr id="30" name="직선 화살표 연결선 29">
-            <a:extLst>
-              <a:ext uri="{FF2B5EF4-FFF2-40B4-BE49-F238E27FC236}">
-                <a16:creationId xmlns:a16="http://schemas.microsoft.com/office/drawing/2014/main" id="{F8E34BF0-B617-2F44-ABC9-A03E1F3AF73F}"/>
-              </a:ext>
-            </a:extLst>
-          </p:cNvPr>
-          <p:cNvCxnSpPr>
-            <a:cxnSpLocks/>
-          </p:cNvCxnSpPr>
-          <p:nvPr/>
-        </p:nvCxnSpPr>
-        <p:spPr>
-          <a:xfrm flipV="1">
-            <a:off x="2136253" y="1481999"/>
-            <a:ext cx="1225913" cy="13185"/>
-          </a:xfrm>
-          <a:prstGeom prst="straightConnector1">
-            <a:avLst/>
-          </a:prstGeom>
-          <a:ln>
-            <a:solidFill>
-              <a:schemeClr val="tx1"/>
-            </a:solidFill>
-            <a:tailEnd type="triangle"/>
-          </a:ln>
-        </p:spPr>
-        <p:style>
-          <a:lnRef idx="1">
-            <a:schemeClr val="accent1"/>
-          </a:lnRef>
-          <a:fillRef idx="0">
-            <a:schemeClr val="accent1"/>
-          </a:fillRef>
-          <a:effectRef idx="0">
-            <a:schemeClr val="accent1"/>
-          </a:effectRef>
-          <a:fontRef idx="minor">
-            <a:schemeClr val="tx1"/>
-          </a:fontRef>
-        </p:style>
-      </p:cxnSp>
-      <p:cxnSp>
-        <p:nvCxnSpPr>
-          <p:cNvPr id="35" name="직선 화살표 연결선 34">
-            <a:extLst>
-              <a:ext uri="{FF2B5EF4-FFF2-40B4-BE49-F238E27FC236}">
-                <a16:creationId xmlns:a16="http://schemas.microsoft.com/office/drawing/2014/main" id="{34F1CC12-9CF4-0A4B-8B64-AB8EF464A2AE}"/>
-              </a:ext>
-            </a:extLst>
-          </p:cNvPr>
-          <p:cNvCxnSpPr>
-            <a:cxnSpLocks/>
-          </p:cNvCxnSpPr>
-          <p:nvPr/>
-        </p:nvCxnSpPr>
-        <p:spPr>
-          <a:xfrm flipV="1">
-            <a:off x="2118654" y="2815411"/>
-            <a:ext cx="1225913" cy="13185"/>
-          </a:xfrm>
-          <a:prstGeom prst="straightConnector1">
-            <a:avLst/>
-          </a:prstGeom>
-          <a:ln>
-            <a:solidFill>
-              <a:schemeClr val="tx1"/>
-            </a:solidFill>
-            <a:tailEnd type="triangle"/>
-          </a:ln>
-        </p:spPr>
-        <p:style>
-          <a:lnRef idx="1">
-            <a:schemeClr val="accent1"/>
-          </a:lnRef>
-          <a:fillRef idx="0">
-            <a:schemeClr val="accent1"/>
-          </a:fillRef>
-          <a:effectRef idx="0">
-            <a:schemeClr val="accent1"/>
-          </a:effectRef>
-          <a:fontRef idx="minor">
-            <a:schemeClr val="tx1"/>
-          </a:fontRef>
-        </p:style>
-      </p:cxnSp>
-      <p:cxnSp>
-        <p:nvCxnSpPr>
-          <p:cNvPr id="36" name="직선 화살표 연결선 35">
-            <a:extLst>
-              <a:ext uri="{FF2B5EF4-FFF2-40B4-BE49-F238E27FC236}">
-                <a16:creationId xmlns:a16="http://schemas.microsoft.com/office/drawing/2014/main" id="{B0D611B6-9A94-DD44-B0C8-FC32A66BF816}"/>
-              </a:ext>
-            </a:extLst>
-          </p:cNvPr>
-          <p:cNvCxnSpPr>
-            <a:cxnSpLocks/>
-          </p:cNvCxnSpPr>
-          <p:nvPr/>
-        </p:nvCxnSpPr>
-        <p:spPr>
-          <a:xfrm flipV="1">
-            <a:off x="2136253" y="4149934"/>
-            <a:ext cx="1225913" cy="13185"/>
-          </a:xfrm>
-          <a:prstGeom prst="straightConnector1">
-            <a:avLst/>
-          </a:prstGeom>
-          <a:ln>
-            <a:solidFill>
-              <a:schemeClr val="tx1"/>
-            </a:solidFill>
-            <a:tailEnd type="triangle"/>
-          </a:ln>
-        </p:spPr>
-        <p:style>
-          <a:lnRef idx="1">
-            <a:schemeClr val="accent1"/>
-          </a:lnRef>
-          <a:fillRef idx="0">
-            <a:schemeClr val="accent1"/>
-          </a:fillRef>
-          <a:effectRef idx="0">
-            <a:schemeClr val="accent1"/>
-          </a:effectRef>
-          <a:fontRef idx="minor">
-            <a:schemeClr val="tx1"/>
-          </a:fontRef>
-        </p:style>
-      </p:cxnSp>
+            </a:fontRef>
+          </p:style>
+        </p:cxnSp>
+        <p:sp>
+          <p:nvSpPr>
+            <p:cNvPr id="33" name="TextBox 32">
+              <a:extLst>
+                <a:ext uri="{FF2B5EF4-FFF2-40B4-BE49-F238E27FC236}">
+                  <a16:creationId xmlns:a16="http://schemas.microsoft.com/office/drawing/2014/main" id="{7FBEDBC5-3CC0-E64A-B473-4F02B3ABA780}"/>
+                </a:ext>
+              </a:extLst>
+            </p:cNvPr>
+            <p:cNvSpPr txBox="1"/>
+            <p:nvPr/>
+          </p:nvSpPr>
+          <p:spPr>
+            <a:xfrm>
+              <a:off x="1441237" y="5917269"/>
+              <a:ext cx="1316771" cy="584775"/>
+            </a:xfrm>
+            <a:prstGeom prst="rect">
+              <a:avLst/>
+            </a:prstGeom>
+            <a:noFill/>
+          </p:spPr>
+          <p:txBody>
+            <a:bodyPr wrap="none" rtlCol="0">
+              <a:spAutoFit/>
+            </a:bodyPr>
+            <a:lstStyle/>
+            <a:p>
+              <a:pPr algn="ctr"/>
+              <a:r>
+                <a:rPr kumimoji="1" lang="en-US" altLang="ko-Kore-KR" sz="1600" dirty="0"/>
+                <a:t>Final data (III)</a:t>
+              </a:r>
+            </a:p>
+            <a:p>
+              <a:pPr algn="ctr"/>
+              <a:r>
+                <a:rPr kumimoji="1" lang="en-US" altLang="ko-Kore-KR" sz="1600" dirty="0"/>
+                <a:t>(n=2,670)</a:t>
+              </a:r>
+              <a:endParaRPr kumimoji="1" lang="ko-Kore-KR" altLang="en-US" sz="1600" dirty="0"/>
+            </a:p>
+          </p:txBody>
+        </p:sp>
+      </p:grpSp>
     </p:spTree>
     <p:extLst>
       <p:ext uri="{BB962C8B-B14F-4D97-AF65-F5344CB8AC3E}">
@@ -4204,4 +4806,299 @@
     </a:ext>
   </a:extLst>
 </a:theme>
+</file>
+
+<file path=ppt/theme/theme2.xml><?xml version="1.0" encoding="utf-8"?>
+<a:theme xmlns:a="http://schemas.openxmlformats.org/drawingml/2006/main" name="Office 테마">
+  <a:themeElements>
+    <a:clrScheme name="Office">
+      <a:dk1>
+        <a:sysClr val="windowText" lastClr="000000"/>
+      </a:dk1>
+      <a:lt1>
+        <a:sysClr val="window" lastClr="FFFFFF"/>
+      </a:lt1>
+      <a:dk2>
+        <a:srgbClr val="44546A"/>
+      </a:dk2>
+      <a:lt2>
+        <a:srgbClr val="E7E6E6"/>
+      </a:lt2>
+      <a:accent1>
+        <a:srgbClr val="4472C4"/>
+      </a:accent1>
+      <a:accent2>
+        <a:srgbClr val="ED7D31"/>
+      </a:accent2>
+      <a:accent3>
+        <a:srgbClr val="A5A5A5"/>
+      </a:accent3>
+      <a:accent4>
+        <a:srgbClr val="FFC000"/>
+      </a:accent4>
+      <a:accent5>
+        <a:srgbClr val="5B9BD5"/>
+      </a:accent5>
+      <a:accent6>
+        <a:srgbClr val="70AD47"/>
+      </a:accent6>
+      <a:hlink>
+        <a:srgbClr val="0563C1"/>
+      </a:hlink>
+      <a:folHlink>
+        <a:srgbClr val="954F72"/>
+      </a:folHlink>
+    </a:clrScheme>
+    <a:fontScheme name="Office">
+      <a:majorFont>
+        <a:latin typeface="Calibri Light" panose="020F0302020204030204"/>
+        <a:ea typeface=""/>
+        <a:cs typeface=""/>
+        <a:font script="Jpan" typeface="游ゴシック Light"/>
+        <a:font script="Hang" typeface="맑은 고딕"/>
+        <a:font script="Hans" typeface="等线 Light"/>
+        <a:font script="Hant" typeface="新細明體"/>
+        <a:font script="Arab" typeface="Times New Roman"/>
+        <a:font script="Hebr" typeface="Times New Roman"/>
+        <a:font script="Thai" typeface="Angsana New"/>
+        <a:font script="Ethi" typeface="Nyala"/>
+        <a:font script="Beng" typeface="Vrinda"/>
+        <a:font script="Gujr" typeface="Shruti"/>
+        <a:font script="Khmr" typeface="MoolBoran"/>
+        <a:font script="Knda" typeface="Tunga"/>
+        <a:font script="Guru" typeface="Raavi"/>
+        <a:font script="Cans" typeface="Euphemia"/>
+        <a:font script="Cher" typeface="Plantagenet Cherokee"/>
+        <a:font script="Yiii" typeface="Microsoft Yi Baiti"/>
+        <a:font script="Tibt" typeface="Microsoft Himalaya"/>
+        <a:font script="Thaa" typeface="MV Boli"/>
+        <a:font script="Deva" typeface="Mangal"/>
+        <a:font script="Telu" typeface="Gautami"/>
+        <a:font script="Taml" typeface="Latha"/>
+        <a:font script="Syrc" typeface="Estrangelo Edessa"/>
+        <a:font script="Orya" typeface="Kalinga"/>
+        <a:font script="Mlym" typeface="Kartika"/>
+        <a:font script="Laoo" typeface="DokChampa"/>
+        <a:font script="Sinh" typeface="Iskoola Pota"/>
+        <a:font script="Mong" typeface="Mongolian Baiti"/>
+        <a:font script="Viet" typeface="Times New Roman"/>
+        <a:font script="Uigh" typeface="Microsoft Uighur"/>
+        <a:font script="Geor" typeface="Sylfaen"/>
+        <a:font script="Armn" typeface="Arial"/>
+        <a:font script="Bugi" typeface="Leelawadee UI"/>
+        <a:font script="Bopo" typeface="Microsoft JhengHei"/>
+        <a:font script="Java" typeface="Javanese Text"/>
+        <a:font script="Lisu" typeface="Segoe UI"/>
+        <a:font script="Mymr" typeface="Myanmar Text"/>
+        <a:font script="Nkoo" typeface="Ebrima"/>
+        <a:font script="Olck" typeface="Nirmala UI"/>
+        <a:font script="Osma" typeface="Ebrima"/>
+        <a:font script="Phag" typeface="Phagspa"/>
+        <a:font script="Syrn" typeface="Estrangelo Edessa"/>
+        <a:font script="Syrj" typeface="Estrangelo Edessa"/>
+        <a:font script="Syre" typeface="Estrangelo Edessa"/>
+        <a:font script="Sora" typeface="Nirmala UI"/>
+        <a:font script="Tale" typeface="Microsoft Tai Le"/>
+        <a:font script="Talu" typeface="Microsoft New Tai Lue"/>
+        <a:font script="Tfng" typeface="Ebrima"/>
+      </a:majorFont>
+      <a:minorFont>
+        <a:latin typeface="Calibri" panose="020F0502020204030204"/>
+        <a:ea typeface=""/>
+        <a:cs typeface=""/>
+        <a:font script="Jpan" typeface="游ゴシック"/>
+        <a:font script="Hang" typeface="맑은 고딕"/>
+        <a:font script="Hans" typeface="等线"/>
+        <a:font script="Hant" typeface="新細明體"/>
+        <a:font script="Arab" typeface="Arial"/>
+        <a:font script="Hebr" typeface="Arial"/>
+        <a:font script="Thai" typeface="Cordia New"/>
+        <a:font script="Ethi" typeface="Nyala"/>
+        <a:font script="Beng" typeface="Vrinda"/>
+        <a:font script="Gujr" typeface="Shruti"/>
+        <a:font script="Khmr" typeface="DaunPenh"/>
+        <a:font script="Knda" typeface="Tunga"/>
+        <a:font script="Guru" typeface="Raavi"/>
+        <a:font script="Cans" typeface="Euphemia"/>
+        <a:font script="Cher" typeface="Plantagenet Cherokee"/>
+        <a:font script="Yiii" typeface="Microsoft Yi Baiti"/>
+        <a:font script="Tibt" typeface="Microsoft Himalaya"/>
+        <a:font script="Thaa" typeface="MV Boli"/>
+        <a:font script="Deva" typeface="Mangal"/>
+        <a:font script="Telu" typeface="Gautami"/>
+        <a:font script="Taml" typeface="Latha"/>
+        <a:font script="Syrc" typeface="Estrangelo Edessa"/>
+        <a:font script="Orya" typeface="Kalinga"/>
+        <a:font script="Mlym" typeface="Kartika"/>
+        <a:font script="Laoo" typeface="DokChampa"/>
+        <a:font script="Sinh" typeface="Iskoola Pota"/>
+        <a:font script="Mong" typeface="Mongolian Baiti"/>
+        <a:font script="Viet" typeface="Arial"/>
+        <a:font script="Uigh" typeface="Microsoft Uighur"/>
+        <a:font script="Geor" typeface="Sylfaen"/>
+        <a:font script="Armn" typeface="Arial"/>
+        <a:font script="Bugi" typeface="Leelawadee UI"/>
+        <a:font script="Bopo" typeface="Microsoft JhengHei"/>
+        <a:font script="Java" typeface="Javanese Text"/>
+        <a:font script="Lisu" typeface="Segoe UI"/>
+        <a:font script="Mymr" typeface="Myanmar Text"/>
+        <a:font script="Nkoo" typeface="Ebrima"/>
+        <a:font script="Olck" typeface="Nirmala UI"/>
+        <a:font script="Osma" typeface="Ebrima"/>
+        <a:font script="Phag" typeface="Phagspa"/>
+        <a:font script="Syrn" typeface="Estrangelo Edessa"/>
+        <a:font script="Syrj" typeface="Estrangelo Edessa"/>
+        <a:font script="Syre" typeface="Estrangelo Edessa"/>
+        <a:font script="Sora" typeface="Nirmala UI"/>
+        <a:font script="Tale" typeface="Microsoft Tai Le"/>
+        <a:font script="Talu" typeface="Microsoft New Tai Lue"/>
+        <a:font script="Tfng" typeface="Ebrima"/>
+      </a:minorFont>
+    </a:fontScheme>
+    <a:fmtScheme name="Office">
+      <a:fillStyleLst>
+        <a:solidFill>
+          <a:schemeClr val="phClr"/>
+        </a:solidFill>
+        <a:gradFill rotWithShape="1">
+          <a:gsLst>
+            <a:gs pos="0">
+              <a:schemeClr val="phClr">
+                <a:lumMod val="110000"/>
+                <a:satMod val="105000"/>
+                <a:tint val="67000"/>
+              </a:schemeClr>
+            </a:gs>
+            <a:gs pos="50000">
+              <a:schemeClr val="phClr">
+                <a:lumMod val="105000"/>
+                <a:satMod val="103000"/>
+                <a:tint val="73000"/>
+              </a:schemeClr>
+            </a:gs>
+            <a:gs pos="100000">
+              <a:schemeClr val="phClr">
+                <a:lumMod val="105000"/>
+                <a:satMod val="109000"/>
+                <a:tint val="81000"/>
+              </a:schemeClr>
+            </a:gs>
+          </a:gsLst>
+          <a:lin ang="5400000" scaled="0"/>
+        </a:gradFill>
+        <a:gradFill rotWithShape="1">
+          <a:gsLst>
+            <a:gs pos="0">
+              <a:schemeClr val="phClr">
+                <a:satMod val="103000"/>
+                <a:lumMod val="102000"/>
+                <a:tint val="94000"/>
+              </a:schemeClr>
+            </a:gs>
+            <a:gs pos="50000">
+              <a:schemeClr val="phClr">
+                <a:satMod val="110000"/>
+                <a:lumMod val="100000"/>
+                <a:shade val="100000"/>
+              </a:schemeClr>
+            </a:gs>
+            <a:gs pos="100000">
+              <a:schemeClr val="phClr">
+                <a:lumMod val="99000"/>
+                <a:satMod val="120000"/>
+                <a:shade val="78000"/>
+              </a:schemeClr>
+            </a:gs>
+          </a:gsLst>
+          <a:lin ang="5400000" scaled="0"/>
+        </a:gradFill>
+      </a:fillStyleLst>
+      <a:lnStyleLst>
+        <a:ln w="6350" cap="flat" cmpd="sng" algn="ctr">
+          <a:solidFill>
+            <a:schemeClr val="phClr"/>
+          </a:solidFill>
+          <a:prstDash val="solid"/>
+          <a:miter lim="800000"/>
+        </a:ln>
+        <a:ln w="12700" cap="flat" cmpd="sng" algn="ctr">
+          <a:solidFill>
+            <a:schemeClr val="phClr"/>
+          </a:solidFill>
+          <a:prstDash val="solid"/>
+          <a:miter lim="800000"/>
+        </a:ln>
+        <a:ln w="19050" cap="flat" cmpd="sng" algn="ctr">
+          <a:solidFill>
+            <a:schemeClr val="phClr"/>
+          </a:solidFill>
+          <a:prstDash val="solid"/>
+          <a:miter lim="800000"/>
+        </a:ln>
+      </a:lnStyleLst>
+      <a:effectStyleLst>
+        <a:effectStyle>
+          <a:effectLst/>
+        </a:effectStyle>
+        <a:effectStyle>
+          <a:effectLst/>
+        </a:effectStyle>
+        <a:effectStyle>
+          <a:effectLst>
+            <a:outerShdw blurRad="57150" dist="19050" dir="5400000" algn="ctr" rotWithShape="0">
+              <a:srgbClr val="000000">
+                <a:alpha val="63000"/>
+              </a:srgbClr>
+            </a:outerShdw>
+          </a:effectLst>
+        </a:effectStyle>
+      </a:effectStyleLst>
+      <a:bgFillStyleLst>
+        <a:solidFill>
+          <a:schemeClr val="phClr"/>
+        </a:solidFill>
+        <a:solidFill>
+          <a:schemeClr val="phClr">
+            <a:tint val="95000"/>
+            <a:satMod val="170000"/>
+          </a:schemeClr>
+        </a:solidFill>
+        <a:gradFill rotWithShape="1">
+          <a:gsLst>
+            <a:gs pos="0">
+              <a:schemeClr val="phClr">
+                <a:tint val="93000"/>
+                <a:satMod val="150000"/>
+                <a:shade val="98000"/>
+                <a:lumMod val="102000"/>
+              </a:schemeClr>
+            </a:gs>
+            <a:gs pos="50000">
+              <a:schemeClr val="phClr">
+                <a:tint val="98000"/>
+                <a:satMod val="130000"/>
+                <a:shade val="90000"/>
+                <a:lumMod val="103000"/>
+              </a:schemeClr>
+            </a:gs>
+            <a:gs pos="100000">
+              <a:schemeClr val="phClr">
+                <a:shade val="63000"/>
+                <a:satMod val="120000"/>
+              </a:schemeClr>
+            </a:gs>
+          </a:gsLst>
+          <a:lin ang="5400000" scaled="0"/>
+        </a:gradFill>
+      </a:bgFillStyleLst>
+    </a:fmtScheme>
+  </a:themeElements>
+  <a:objectDefaults/>
+  <a:extraClrSchemeLst/>
+  <a:extLst>
+    <a:ext uri="{05A4C25C-085E-4340-85A3-A5531E510DB2}">
+      <thm15:themeFamily xmlns:thm15="http://schemas.microsoft.com/office/thememl/2012/main" name="Office Theme" id="{62F939B6-93AF-4DB8-9C6B-D6C7DFDC589F}" vid="{4A3C46E8-61CC-4603-A589-7422A47A8E4A}"/>
+    </a:ext>
+  </a:extLst>
+</a:theme>
 </file>